--- a/David and Dolev - Final Presentation2.pptx
+++ b/David and Dolev - Final Presentation2.pptx
@@ -5,10 +5,10 @@
     <p:sldMasterId id="2147483648" r:id="rId1"/>
   </p:sldMasterIdLst>
   <p:notesMasterIdLst>
-    <p:notesMasterId r:id="rId34"/>
+    <p:notesMasterId r:id="rId36"/>
   </p:notesMasterIdLst>
   <p:handoutMasterIdLst>
-    <p:handoutMasterId r:id="rId35"/>
+    <p:handoutMasterId r:id="rId37"/>
   </p:handoutMasterIdLst>
   <p:sldIdLst>
     <p:sldId id="256" r:id="rId2"/>
@@ -18,10 +18,10 @@
     <p:sldId id="261" r:id="rId6"/>
     <p:sldId id="259" r:id="rId7"/>
     <p:sldId id="268" r:id="rId8"/>
-    <p:sldId id="269" r:id="rId9"/>
-    <p:sldId id="271" r:id="rId10"/>
-    <p:sldId id="272" r:id="rId11"/>
-    <p:sldId id="270" r:id="rId12"/>
+    <p:sldId id="270" r:id="rId9"/>
+    <p:sldId id="269" r:id="rId10"/>
+    <p:sldId id="271" r:id="rId11"/>
+    <p:sldId id="272" r:id="rId12"/>
     <p:sldId id="280" r:id="rId13"/>
     <p:sldId id="281" r:id="rId14"/>
     <p:sldId id="262" r:id="rId15"/>
@@ -43,6 +43,8 @@
     <p:sldId id="276" r:id="rId31"/>
     <p:sldId id="282" r:id="rId32"/>
     <p:sldId id="287" r:id="rId33"/>
+    <p:sldId id="295" r:id="rId34"/>
+    <p:sldId id="296" r:id="rId35"/>
   </p:sldIdLst>
   <p:sldSz cx="12192000" cy="6858000"/>
   <p:notesSz cx="6858000" cy="9144000"/>
@@ -157,10 +159,10 @@
           <p14:sldIdLst>
             <p14:sldId id="259"/>
             <p14:sldId id="268"/>
+            <p14:sldId id="270"/>
             <p14:sldId id="269"/>
             <p14:sldId id="271"/>
             <p14:sldId id="272"/>
-            <p14:sldId id="270"/>
             <p14:sldId id="280"/>
             <p14:sldId id="281"/>
             <p14:sldId id="262"/>
@@ -182,6 +184,8 @@
             <p14:sldId id="276"/>
             <p14:sldId id="282"/>
             <p14:sldId id="287"/>
+            <p14:sldId id="295"/>
+            <p14:sldId id="296"/>
           </p14:sldIdLst>
         </p14:section>
       </p14:sectionLst>
@@ -299,7 +303,7 @@
           <a:p>
             <a:fld id="{366428EB-730D-4ECB-BE38-5D805EB50BF4}" type="datetimeFigureOut">
               <a:rPr lang="en-US" smtClean="0"/>
-              <a:t>11/22/2020</a:t>
+              <a:t>11/23/2020</a:t>
             </a:fld>
             <a:endParaRPr lang="en-US"/>
           </a:p>
@@ -477,7 +481,7 @@
           <a:p>
             <a:fld id="{FD1A85B0-C9C6-4BCF-B04E-268142AD739B}" type="datetimeFigureOut">
               <a:rPr lang="en-IL" smtClean="0"/>
-              <a:t>11/22/2020</a:t>
+              <a:t>11/23/2020</a:t>
             </a:fld>
             <a:endParaRPr lang="en-IL"/>
           </a:p>
@@ -793,15 +797,7 @@
             <a:pPr algn="r" rtl="1"/>
             <a:r>
               <a:rPr lang="he-IL" dirty="0"/>
-              <a:t>שלום לכולם, שמי דוד ויושב איתי פה דולב</a:t>
-            </a:r>
-            <a:r>
-              <a:rPr lang="he-IL"/>
-              <a:t>, אנו </a:t>
-            </a:r>
-            <a:r>
-              <a:rPr lang="he-IL" dirty="0"/>
-              <a:t>עבדנו על פרויקט למימוש והטמעת מאיץ </a:t>
+              <a:t>שלום לכולם, שמי דוד ונמצא איתי פה דולב, שנינו עבדנו על פרויקט למימוש והטמעת מאיץ </a:t>
             </a:r>
             <a:r>
               <a:rPr lang="en-US" dirty="0"/>
@@ -930,7 +926,15 @@
             <a:pPr algn="r" rtl="1"/>
             <a:r>
               <a:rPr lang="he-IL" dirty="0"/>
-              <a:t>ערבול עמודות נעשה באמצעות הכפלה של מטריצה 4</a:t>
+              <a:t>שלב שלישי הינו הזזת שורות, שהוא בעצם פעולת </a:t>
+            </a:r>
+            <a:r>
+              <a:rPr lang="en-US" dirty="0"/>
+              <a:t>SHIFT</a:t>
+            </a:r>
+            <a:r>
+              <a:rPr lang="he-IL" dirty="0"/>
+              <a:t> של שורות מטריצת המידע (מטריצת 4</a:t>
             </a:r>
             <a:r>
               <a:rPr lang="en-US" dirty="0"/>
@@ -938,16 +942,37 @@
             </a:r>
             <a:r>
               <a:rPr lang="he-IL" dirty="0"/>
-              <a:t>4 ספציפית בכל עמודה, ופעולת </a:t>
-            </a:r>
-            <a:r>
-              <a:rPr lang="en-US" dirty="0"/>
-              <a:t>XOR</a:t>
-            </a:r>
+              <a:t>4, בה כל תא הוא בייט), כל שורה מוזזת לפי מיקומה:</a:t>
+            </a:r>
+          </a:p>
+          <a:p>
+            <a:pPr algn="r" rtl="1"/>
             <a:r>
               <a:rPr lang="he-IL" dirty="0"/>
-              <a:t> בין עמודות התוצאה והעמודות המקוריות</a:t>
-            </a:r>
+              <a:t>שורה 1 	1&gt;&gt;</a:t>
+            </a:r>
+          </a:p>
+          <a:p>
+            <a:pPr algn="r" rtl="1"/>
+            <a:r>
+              <a:rPr lang="he-IL" dirty="0"/>
+              <a:t>שורה 2	2&gt;&gt;</a:t>
+            </a:r>
+          </a:p>
+          <a:p>
+            <a:pPr algn="r" rtl="1"/>
+            <a:r>
+              <a:rPr lang="he-IL" dirty="0"/>
+              <a:t>שורה 3	3&gt;&gt;</a:t>
+            </a:r>
+          </a:p>
+          <a:p>
+            <a:pPr algn="r" rtl="1"/>
+            <a:r>
+              <a:rPr lang="he-IL" dirty="0"/>
+              <a:t>שורה 4	4&gt;&gt;</a:t>
+            </a:r>
+            <a:endParaRPr lang="en-US" dirty="0"/>
           </a:p>
         </p:txBody>
       </p:sp>
@@ -977,7 +1002,7 @@
     </p:spTree>
     <p:extLst>
       <p:ext uri="{BB962C8B-B14F-4D97-AF65-F5344CB8AC3E}">
-        <p14:creationId xmlns:p14="http://schemas.microsoft.com/office/powerpoint/2010/main" val="3644990856"/>
+        <p14:creationId xmlns:p14="http://schemas.microsoft.com/office/powerpoint/2010/main" val="3040681646"/>
       </p:ext>
     </p:extLst>
   </p:cSld>
@@ -1034,7 +1059,15 @@
             <a:pPr algn="r" rtl="1"/>
             <a:r>
               <a:rPr lang="he-IL" dirty="0"/>
-              <a:t>נעשה באמצעות פעולת </a:t>
+              <a:t>שלב רביעי הוא ערבול עמודות, בו מתבצע כפל </a:t>
+            </a:r>
+            <a:r>
+              <a:rPr lang="he-IL" dirty="0" err="1"/>
+              <a:t>מטריצי</a:t>
+            </a:r>
+            <a:r>
+              <a:rPr lang="he-IL" dirty="0"/>
+              <a:t> של מטריצה ספציפית ואחידה בכל אחת מעמודות המטריצה של המידע, ולאחר מכן פעולת </a:t>
             </a:r>
             <a:r>
               <a:rPr lang="en-US" dirty="0"/>
@@ -1042,9 +1075,8 @@
             </a:r>
             <a:r>
               <a:rPr lang="he-IL" dirty="0"/>
-              <a:t> בין הבתים של המידע לבתים של המפתח (כל פעם 128 ביטים עוקבים מהמפתח המורחב)</a:t>
-            </a:r>
-            <a:endParaRPr lang="en-US" dirty="0"/>
+              <a:t> של התוצאה עם מטריצת המידע.</a:t>
+            </a:r>
           </a:p>
         </p:txBody>
       </p:sp>
@@ -1074,7 +1106,7 @@
     </p:spTree>
     <p:extLst>
       <p:ext uri="{BB962C8B-B14F-4D97-AF65-F5344CB8AC3E}">
-        <p14:creationId xmlns:p14="http://schemas.microsoft.com/office/powerpoint/2010/main" val="378387806"/>
+        <p14:creationId xmlns:p14="http://schemas.microsoft.com/office/powerpoint/2010/main" val="3644990856"/>
       </p:ext>
     </p:extLst>
   </p:cSld>
@@ -1131,7 +1163,15 @@
             <a:pPr algn="r" rtl="1"/>
             <a:r>
               <a:rPr lang="he-IL" dirty="0"/>
-              <a:t>מורכב מ-4 שלבים:</a:t>
+              <a:t>ליבת ה-</a:t>
+            </a:r>
+            <a:r>
+              <a:rPr lang="en-US" dirty="0"/>
+              <a:t>RISCY</a:t>
+            </a:r>
+            <a:r>
+              <a:rPr lang="he-IL" dirty="0"/>
+              <a:t> מורכבת מ-4 שלבים:</a:t>
             </a:r>
           </a:p>
           <a:p>
@@ -1163,6 +1203,14 @@
             <a:r>
               <a:rPr lang="en-US" dirty="0"/>
               <a:t>WB</a:t>
+            </a:r>
+            <a:endParaRPr lang="he-IL" dirty="0"/>
+          </a:p>
+          <a:p>
+            <a:pPr algn="r" rtl="1"/>
+            <a:r>
+              <a:rPr lang="he-IL" dirty="0"/>
+              <a:t>אנו התבססנו על ליבה זו בתכנון לוגיקת ההצפנה.</a:t>
             </a:r>
           </a:p>
         </p:txBody>
@@ -1269,8 +1317,13 @@
             <a:pPr algn="r" rtl="1"/>
             <a:r>
               <a:rPr lang="he-IL" dirty="0"/>
-              <a:t>מימוש – ראשית כל מודול בנפרד, וסימולציה שלהם בנפרד ויחד</a:t>
-            </a:r>
+              <a:t>מימוש – ראשית כל מודול מומש בנפרד, וסימולציה של כל מודול בנפרד, ולאחר מכן סימולציה של המודול יחד, לפני הטמעה ב-</a:t>
+            </a:r>
+            <a:r>
+              <a:rPr lang="en-US" dirty="0"/>
+              <a:t>RISCV</a:t>
+            </a:r>
+            <a:endParaRPr lang="he-IL" dirty="0"/>
           </a:p>
           <a:p>
             <a:pPr algn="r" rtl="1"/>
@@ -1284,19 +1337,46 @@
             </a:r>
             <a:r>
               <a:rPr lang="he-IL" dirty="0"/>
-              <a:t> וסיום בשלב ה-</a:t>
+              <a:t> (בו נכנסת לראשונה לוגיקה עבור מאיץ ה-</a:t>
+            </a:r>
+            <a:r>
+              <a:rPr lang="en-US" dirty="0"/>
+              <a:t>AES</a:t>
+            </a:r>
+            <a:r>
+              <a:rPr lang="he-IL" dirty="0"/>
+              <a:t>, פענוח פקודה וערכי רגיסטרים) ועד שלב ה-</a:t>
             </a:r>
             <a:r>
               <a:rPr lang="en-US" dirty="0"/>
               <a:t>WB</a:t>
             </a:r>
-            <a:endParaRPr lang="he-IL" dirty="0"/>
+            <a:r>
+              <a:rPr lang="he-IL" dirty="0"/>
+              <a:t> (בו מסתיימת לוגיקת ה-</a:t>
+            </a:r>
+            <a:r>
+              <a:rPr lang="en-US" dirty="0"/>
+              <a:t>AES</a:t>
+            </a:r>
+            <a:r>
+              <a:rPr lang="he-IL" dirty="0"/>
+              <a:t> בכתיבה של המידע המוצפן לזיכרון)</a:t>
+            </a:r>
           </a:p>
           <a:p>
             <a:pPr algn="r" rtl="1"/>
             <a:r>
               <a:rPr lang="he-IL" dirty="0"/>
-              <a:t>סימולציה – של כלל האלגוריתם, והשוואה להרצה של </a:t>
+              <a:t>סימולציה – של כלל האלגוריתם בתוך מעבד ה-</a:t>
+            </a:r>
+            <a:r>
+              <a:rPr lang="en-US" dirty="0"/>
+              <a:t>RISCV</a:t>
+            </a:r>
+            <a:r>
+              <a:rPr lang="he-IL" dirty="0"/>
+              <a:t>, והשוואה להרצה של </a:t>
             </a:r>
             <a:r>
               <a:rPr lang="en-US" dirty="0"/>
@@ -1430,6 +1510,105 @@
               <a:rPr lang="en-US" dirty="0"/>
               <a:t>RISCV</a:t>
             </a:r>
+            <a:r>
+              <a:rPr lang="he-IL" dirty="0"/>
+              <a:t>, ניתן לראות את מעבר המידע מהרגיסטר </a:t>
+            </a:r>
+            <a:r>
+              <a:rPr lang="he-IL" dirty="0" err="1"/>
+              <a:t>פייל</a:t>
+            </a:r>
+            <a:r>
+              <a:rPr lang="he-IL" dirty="0"/>
+              <a:t> של </a:t>
+            </a:r>
+            <a:r>
+              <a:rPr lang="en-US" dirty="0"/>
+              <a:t>RISCV</a:t>
+            </a:r>
+            <a:r>
+              <a:rPr lang="he-IL" dirty="0"/>
+              <a:t> לרגיסטר </a:t>
+            </a:r>
+            <a:r>
+              <a:rPr lang="he-IL" dirty="0" err="1"/>
+              <a:t>פייל</a:t>
+            </a:r>
+            <a:r>
+              <a:rPr lang="he-IL" dirty="0"/>
+              <a:t> של </a:t>
+            </a:r>
+            <a:r>
+              <a:rPr lang="en-US" dirty="0"/>
+              <a:t>AES</a:t>
+            </a:r>
+            <a:r>
+              <a:rPr lang="he-IL" dirty="0"/>
+              <a:t> (חוט שחור היוצא מ-</a:t>
+            </a:r>
+            <a:r>
+              <a:rPr lang="en-US" dirty="0"/>
+              <a:t>GPR – General Purpose Registers</a:t>
+            </a:r>
+            <a:r>
+              <a:rPr lang="he-IL" dirty="0"/>
+              <a:t> )</a:t>
+            </a:r>
+          </a:p>
+          <a:p>
+            <a:pPr algn="r" rtl="1"/>
+            <a:r>
+              <a:rPr lang="he-IL" dirty="0"/>
+              <a:t>בנוסף ניתן לראות את חוטי הבקרה שמבקרים את לוגיקת ה-</a:t>
+            </a:r>
+            <a:r>
+              <a:rPr lang="en-US" dirty="0"/>
+              <a:t>AES</a:t>
+            </a:r>
+            <a:r>
+              <a:rPr lang="he-IL" dirty="0"/>
+              <a:t> באדום, חוטי הבקרה שמודול ה-</a:t>
+            </a:r>
+            <a:r>
+              <a:rPr lang="en-US" dirty="0"/>
+              <a:t>WB</a:t>
+            </a:r>
+            <a:r>
+              <a:rPr lang="he-IL" dirty="0"/>
+              <a:t> מעקב את הפייפ בכחול</a:t>
+            </a:r>
+          </a:p>
+          <a:p>
+            <a:pPr algn="r" rtl="1"/>
+            <a:r>
+              <a:rPr lang="he-IL" dirty="0"/>
+              <a:t>ומעבר המידע המוצפן לכתיבה בזיכרון (חוט שחור היוצא ממודול </a:t>
+            </a:r>
+            <a:r>
+              <a:rPr lang="en-US" dirty="0"/>
+              <a:t>AES</a:t>
+            </a:r>
+            <a:r>
+              <a:rPr lang="he-IL" dirty="0"/>
+              <a:t> </a:t>
+            </a:r>
+            <a:r>
+              <a:rPr lang="en-US" dirty="0"/>
+              <a:t>WB</a:t>
+            </a:r>
+            <a:r>
+              <a:rPr lang="he-IL" dirty="0"/>
+              <a:t> לתוך </a:t>
+            </a:r>
+            <a:r>
+              <a:rPr lang="en-US" dirty="0"/>
+              <a:t>LSU – Load Store Unit</a:t>
+            </a:r>
+            <a:r>
+              <a:rPr lang="he-IL" dirty="0"/>
+              <a:t> )</a:t>
+            </a:r>
+            <a:endParaRPr lang="en-US" dirty="0"/>
           </a:p>
         </p:txBody>
       </p:sp>
@@ -1515,12 +1694,47 @@
           <a:p>
             <a:pPr algn="r" rtl="1"/>
             <a:r>
+              <a:rPr lang="he-IL" dirty="0"/>
+              <a:t>השלב הבא היה בחירת </a:t>
+            </a:r>
+            <a:r>
+              <a:rPr lang="en-US" dirty="0"/>
+              <a:t>OPCODE</a:t>
+            </a:r>
+            <a:r>
+              <a:rPr lang="he-IL" dirty="0"/>
+              <a:t> לפקודות ה-</a:t>
+            </a:r>
+            <a:r>
+              <a:rPr lang="en-US" dirty="0"/>
+              <a:t>AES</a:t>
+            </a:r>
+            <a:r>
+              <a:rPr lang="he-IL" dirty="0"/>
+              <a:t>, ומבנה פקודת ה-</a:t>
+            </a:r>
+            <a:r>
+              <a:rPr lang="en-US" dirty="0"/>
+              <a:t>AES</a:t>
+            </a:r>
+            <a:r>
+              <a:rPr lang="he-IL" dirty="0"/>
+              <a:t>.</a:t>
+            </a:r>
+          </a:p>
+          <a:p>
+            <a:pPr algn="r" rtl="1"/>
+            <a:r>
+              <a:rPr lang="he-IL" dirty="0"/>
+              <a:t>אנו התמשנו ב-32</a:t>
+            </a:r>
+            <a:r>
               <a:rPr lang="en-US" dirty="0"/>
               <a:t>OP</a:t>
             </a:r>
             <a:r>
               <a:rPr lang="he-IL" dirty="0"/>
-              <a:t>32 לא בשימוש ב-</a:t>
+              <a:t>  מכיוון שהוא לא בשימוש ב-</a:t>
             </a:r>
             <a:r>
               <a:rPr lang="en-US" dirty="0"/>
@@ -1528,7 +1742,62 @@
             </a:r>
             <a:r>
               <a:rPr lang="he-IL" dirty="0"/>
-              <a:t>, לכן אנו עושים בו שימוש</a:t>
+              <a:t>, </a:t>
+            </a:r>
+          </a:p>
+          <a:p>
+            <a:pPr algn="r" rtl="1"/>
+            <a:r>
+              <a:rPr lang="he-IL" dirty="0"/>
+              <a:t>מבנה הפקודה שלנו דומה לשל </a:t>
+            </a:r>
+            <a:r>
+              <a:rPr lang="en-US" dirty="0"/>
+              <a:t>R TYPE</a:t>
+            </a:r>
+            <a:r>
+              <a:rPr lang="he-IL" dirty="0"/>
+              <a:t>, רגיסטר מטרה (</a:t>
+            </a:r>
+            <a:r>
+              <a:rPr lang="en-US" dirty="0"/>
+              <a:t>AES</a:t>
+            </a:r>
+            <a:r>
+              <a:rPr lang="he-IL" dirty="0"/>
+              <a:t>), רגיסטר יעד (</a:t>
+            </a:r>
+            <a:r>
+              <a:rPr lang="en-US" dirty="0"/>
+              <a:t>RISCV</a:t>
+            </a:r>
+            <a:r>
+              <a:rPr lang="he-IL" dirty="0"/>
+              <a:t>) ,</a:t>
+            </a:r>
+            <a:r>
+              <a:rPr lang="he-IL" dirty="0" err="1"/>
+              <a:t>ופונקצית</a:t>
+            </a:r>
+            <a:r>
+              <a:rPr lang="he-IL" dirty="0"/>
+              <a:t> </a:t>
+            </a:r>
+            <a:r>
+              <a:rPr lang="en-US" dirty="0"/>
+              <a:t>AES</a:t>
+            </a:r>
+            <a:r>
+              <a:rPr lang="he-IL" dirty="0"/>
+              <a:t> (</a:t>
+            </a:r>
+            <a:r>
+              <a:rPr lang="en-US" dirty="0"/>
+              <a:t>FUNCT</a:t>
+            </a:r>
+            <a:r>
+              <a:rPr lang="he-IL" dirty="0"/>
+              <a:t>3), שאר הביטים לא בשימוש.</a:t>
             </a:r>
             <a:endParaRPr lang="en-US" dirty="0"/>
           </a:p>
@@ -1617,7 +1886,7 @@
             <a:pPr algn="r" rtl="1"/>
             <a:r>
               <a:rPr lang="he-IL" dirty="0"/>
-              <a:t>מימוש </a:t>
+              <a:t>אנחנו השתמשנו מימוש </a:t>
             </a:r>
             <a:r>
               <a:rPr lang="he-IL" dirty="0" err="1"/>
@@ -1645,14 +1914,14 @@
             <a:pPr algn="r" rtl="1"/>
             <a:r>
               <a:rPr lang="he-IL" dirty="0"/>
-              <a:t>9 סבבים מלאים</a:t>
+              <a:t>כולל 9 סבבים מלאים</a:t>
             </a:r>
           </a:p>
           <a:p>
             <a:pPr algn="r" rtl="1"/>
             <a:r>
               <a:rPr lang="he-IL" dirty="0"/>
-              <a:t>סבב אחרון ללא ערבול עמודות</a:t>
+              <a:t>וסבב אחרון ללא ערבול עמודות</a:t>
             </a:r>
             <a:endParaRPr lang="en-US" dirty="0"/>
           </a:p>
@@ -1741,7 +2010,7 @@
             <a:pPr algn="r" rtl="1"/>
             <a:r>
               <a:rPr lang="he-IL" dirty="0"/>
-              <a:t>רגיסטר </a:t>
+              <a:t>מבנה הרגיסטר </a:t>
             </a:r>
             <a:r>
               <a:rPr lang="he-IL" dirty="0" err="1"/>
@@ -1749,7 +2018,15 @@
             </a:r>
             <a:r>
               <a:rPr lang="he-IL" dirty="0"/>
-              <a:t> בעל 4 </a:t>
+              <a:t> שבנינו עבור ה-</a:t>
+            </a:r>
+            <a:r>
+              <a:rPr lang="en-US" dirty="0"/>
+              <a:t>AES</a:t>
+            </a:r>
+            <a:r>
+              <a:rPr lang="he-IL" dirty="0"/>
+              <a:t> הינו בעל 4 </a:t>
             </a:r>
             <a:r>
               <a:rPr lang="he-IL" dirty="0" err="1"/>
@@ -1781,7 +2058,7 @@
             </a:r>
             <a:r>
               <a:rPr lang="he-IL" dirty="0"/>
-              <a:t>, רגיסטר </a:t>
+              <a:t>, ורגיסטר </a:t>
             </a:r>
             <a:r>
               <a:rPr lang="en-US" dirty="0"/>
@@ -1793,7 +2070,15 @@
             <a:pPr algn="r" rtl="1"/>
             <a:r>
               <a:rPr lang="he-IL" dirty="0"/>
-              <a:t>אותות כתיבה, כתובת לכתיבה, מידע לכתיבה, פונקציית ה-</a:t>
+              <a:t>בנוסף נכנסים לרגיסטר </a:t>
+            </a:r>
+            <a:r>
+              <a:rPr lang="he-IL" dirty="0" err="1"/>
+              <a:t>פייל</a:t>
+            </a:r>
+            <a:r>
+              <a:rPr lang="he-IL" dirty="0"/>
+              <a:t> אותות כתיבה, כתובת לכתיבה, מידע לכתיבה, פונקציית ה-</a:t>
             </a:r>
             <a:r>
               <a:rPr lang="en-US" dirty="0"/>
@@ -1801,7 +2086,54 @@
             </a:r>
             <a:r>
               <a:rPr lang="he-IL" dirty="0"/>
-              <a:t>, אות התחלת הצפנה</a:t>
+              <a:t>, אות התחלת הצפנה,</a:t>
+            </a:r>
+          </a:p>
+          <a:p>
+            <a:pPr algn="r" rtl="1"/>
+            <a:r>
+              <a:rPr lang="he-IL" dirty="0"/>
+              <a:t>היציאות מהרגיסטר הן 4 </a:t>
+            </a:r>
+            <a:r>
+              <a:rPr lang="he-IL" dirty="0" err="1"/>
+              <a:t>רגיסטרי</a:t>
+            </a:r>
+            <a:r>
+              <a:rPr lang="he-IL" dirty="0"/>
+              <a:t> </a:t>
+            </a:r>
+            <a:r>
+              <a:rPr lang="en-US" dirty="0"/>
+              <a:t>KEY</a:t>
+            </a:r>
+            <a:r>
+              <a:rPr lang="he-IL" dirty="0"/>
+              <a:t>, 4 </a:t>
+            </a:r>
+            <a:r>
+              <a:rPr lang="he-IL" dirty="0" err="1"/>
+              <a:t>רגיסטרי</a:t>
+            </a:r>
+            <a:r>
+              <a:rPr lang="he-IL" dirty="0"/>
+              <a:t> </a:t>
+            </a:r>
+            <a:r>
+              <a:rPr lang="en-US" dirty="0"/>
+              <a:t>DATA</a:t>
+            </a:r>
+            <a:r>
+              <a:rPr lang="he-IL" dirty="0"/>
+              <a:t>, רגיסטר </a:t>
+            </a:r>
+            <a:r>
+              <a:rPr lang="en-US" dirty="0"/>
+              <a:t>WB</a:t>
+            </a:r>
+            <a:r>
+              <a:rPr lang="he-IL" dirty="0"/>
+              <a:t> ואות התחלת הצפנה</a:t>
             </a:r>
             <a:endParaRPr lang="en-US" dirty="0"/>
           </a:p>
@@ -1890,7 +2222,7 @@
             <a:pPr algn="r" rtl="1"/>
             <a:r>
               <a:rPr lang="he-IL" dirty="0"/>
-              <a:t>מודול הכתיבה</a:t>
+              <a:t>מודול הכתיבה לזיכרון</a:t>
             </a:r>
           </a:p>
           <a:p>
@@ -1904,21 +2236,21 @@
             <a:pPr algn="r" rtl="1"/>
             <a:r>
               <a:rPr lang="he-IL" dirty="0"/>
-              <a:t>אות כתיבה</a:t>
+              <a:t>מקבל מידע מוצפן, כתובת התחלתית לכתיבה, ואות התחלת כתיבה</a:t>
             </a:r>
           </a:p>
           <a:p>
             <a:pPr algn="r" rtl="1"/>
             <a:r>
               <a:rPr lang="he-IL" dirty="0"/>
-              <a:t>אות עצירת פייפ</a:t>
+              <a:t>יציאות המודול הן אות כתיבה, אות עצירת פייפ ואותות מידע וכתובות לכתיבה.</a:t>
             </a:r>
           </a:p>
           <a:p>
             <a:pPr algn="r" rtl="1"/>
             <a:r>
               <a:rPr lang="he-IL" dirty="0"/>
-              <a:t>אותות מידע וכתובות לכתיבה</a:t>
+              <a:t>המודול מקבל את המידע, מחלק אותו ל-4 רגיסטרים, וכותב בכל שלב רגיסטר אחר לזיכרון</a:t>
             </a:r>
             <a:endParaRPr lang="en-US" dirty="0"/>
           </a:p>
@@ -2007,7 +2339,66 @@
             <a:pPr algn="r" rtl="1"/>
             <a:r>
               <a:rPr lang="he-IL" dirty="0"/>
-              <a:t>מכונת מצבים בעלת 3 שלבים</a:t>
+              <a:t>מכונת מצבים של מודול הכתיבה הינו בעל 3 שלבים</a:t>
+            </a:r>
+          </a:p>
+          <a:p>
+            <a:pPr algn="r" rtl="1"/>
+            <a:r>
+              <a:rPr lang="he-IL" dirty="0"/>
+              <a:t>מצב </a:t>
+            </a:r>
+            <a:r>
+              <a:rPr lang="en-US" dirty="0"/>
+              <a:t>IDLE</a:t>
+            </a:r>
+            <a:r>
+              <a:rPr lang="he-IL" dirty="0"/>
+              <a:t> ממנו מתחילים, וכאשר מגיע אות התחלה של </a:t>
+            </a:r>
+            <a:r>
+              <a:rPr lang="en-US" dirty="0"/>
+              <a:t>AES</a:t>
+            </a:r>
+            <a:r>
+              <a:rPr lang="he-IL" dirty="0"/>
+              <a:t> עוברים למצב </a:t>
+            </a:r>
+            <a:r>
+              <a:rPr lang="en-US" dirty="0"/>
+              <a:t>WRITE</a:t>
+            </a:r>
+            <a:endParaRPr lang="he-IL" dirty="0"/>
+          </a:p>
+          <a:p>
+            <a:pPr algn="r" rtl="1"/>
+            <a:r>
+              <a:rPr lang="he-IL" dirty="0"/>
+              <a:t>במצב </a:t>
+            </a:r>
+            <a:r>
+              <a:rPr lang="en-US" dirty="0"/>
+              <a:t>WRITE</a:t>
+            </a:r>
+            <a:r>
+              <a:rPr lang="he-IL" dirty="0"/>
+              <a:t> המידע לכתיבה מתעדכן לרגיסטר אותו אנו רוצים לכתוב, והרגיסטר נשלח לכתיבה במודול ה-</a:t>
+            </a:r>
+            <a:r>
+              <a:rPr lang="en-US" dirty="0"/>
+              <a:t>LSU</a:t>
+            </a:r>
+            <a:r>
+              <a:rPr lang="he-IL" dirty="0"/>
+              <a:t>, ועוברים למצב </a:t>
+            </a:r>
+            <a:r>
+              <a:rPr lang="en-US" dirty="0"/>
+              <a:t>WAIT</a:t>
+            </a:r>
+            <a:r>
+              <a:rPr lang="he-IL" dirty="0"/>
+              <a:t> </a:t>
             </a:r>
           </a:p>
           <a:p>
@@ -2022,7 +2413,15 @@
             </a:r>
             <a:r>
               <a:rPr lang="he-IL" dirty="0"/>
-              <a:t>   (מגבלות ה-</a:t>
+              <a:t> במצב </a:t>
+            </a:r>
+            <a:r>
+              <a:rPr lang="en-US" dirty="0"/>
+              <a:t>WAIT</a:t>
+            </a:r>
+            <a:r>
+              <a:rPr lang="he-IL" dirty="0"/>
+              <a:t> (מגבלות ה-</a:t>
             </a:r>
             <a:r>
               <a:rPr lang="en-US" dirty="0"/>
@@ -2030,7 +2429,23 @@
             </a:r>
             <a:r>
               <a:rPr lang="he-IL" dirty="0"/>
-              <a:t>)</a:t>
+              <a:t>), ולאחר מכן לחזור למצב </a:t>
+            </a:r>
+            <a:r>
+              <a:rPr lang="en-US" dirty="0"/>
+              <a:t>WRITE</a:t>
+            </a:r>
+            <a:r>
+              <a:rPr lang="he-IL" dirty="0"/>
+              <a:t> על מנת לכתוב את הרגיסטר הבא, או למצב </a:t>
+            </a:r>
+            <a:r>
+              <a:rPr lang="en-US" dirty="0"/>
+              <a:t>IDLE</a:t>
+            </a:r>
+            <a:r>
+              <a:rPr lang="he-IL" dirty="0"/>
+              <a:t> (לאחר כתיבת הרגיסטר הרביעי)</a:t>
             </a:r>
           </a:p>
         </p:txBody>
@@ -2132,7 +2547,23 @@
             <a:pPr algn="r" rtl="1"/>
             <a:r>
               <a:rPr lang="he-IL" dirty="0"/>
-              <a:t>יש המון הזדמנויות לגנוב מידע בין חיישן האוסף את מידע זה, ובין המעבד שמעבד את המידע ודואג להצפין אותו.</a:t>
+              <a:t>יש המון הזדמנויות לגנוב מידע בין חיישן האוסף מידע, ובין המעבד שמעבד את המידע ודואג להצפין אותו. לדוגמא: חיישן נפח של מערכת אזעקה, חיישני משקל בכניסה לחנויות, עיניות </a:t>
+            </a:r>
+            <a:r>
+              <a:rPr lang="en-US" dirty="0"/>
+              <a:t>IR</a:t>
+            </a:r>
+            <a:r>
+              <a:rPr lang="he-IL" dirty="0"/>
+              <a:t> בכניסה לחניונים </a:t>
+            </a:r>
+            <a:r>
+              <a:rPr lang="he-IL" dirty="0" err="1"/>
+              <a:t>וכו</a:t>
+            </a:r>
+            <a:r>
+              <a:rPr lang="he-IL" dirty="0"/>
+              <a:t>'.</a:t>
             </a:r>
           </a:p>
           <a:p>
@@ -2163,7 +2594,7 @@
             </a:r>
             <a:r>
               <a:rPr lang="he-IL" dirty="0"/>
-              <a:t> על החיישן, ולהצפין את המידע לפני העברתו הלאה.</a:t>
+              <a:t> על החיישן, ולעבד ולהצפין את המידע לפני העברתו הלאה.</a:t>
             </a:r>
           </a:p>
           <a:p>
@@ -2272,6 +2703,81 @@
           <a:bodyPr/>
           <a:lstStyle/>
           <a:p>
+            <a:pPr algn="r" rtl="1"/>
+            <a:r>
+              <a:rPr lang="he-IL" dirty="0"/>
+              <a:t>כשהתחלנו את הפרויקט, שלב </a:t>
+            </a:r>
+            <a:r>
+              <a:rPr lang="he-IL" dirty="0" err="1"/>
+              <a:t>הסינטזה</a:t>
+            </a:r>
+            <a:r>
+              <a:rPr lang="he-IL" dirty="0"/>
+              <a:t> היה אורך ומייגע, וכשעברנו לעבוד מהבית הרצת </a:t>
+            </a:r>
+            <a:r>
+              <a:rPr lang="he-IL" dirty="0" err="1"/>
+              <a:t>סינטזה</a:t>
+            </a:r>
+            <a:r>
+              <a:rPr lang="he-IL" dirty="0"/>
+              <a:t> הפכה לשלב בלתי נסבל (מבחינת איטיות ה-</a:t>
+            </a:r>
+            <a:r>
+              <a:rPr lang="en-US" dirty="0"/>
+              <a:t>GUI</a:t>
+            </a:r>
+            <a:r>
+              <a:rPr lang="he-IL" dirty="0"/>
+              <a:t>).</a:t>
+            </a:r>
+          </a:p>
+          <a:p>
+            <a:pPr algn="r" rtl="1"/>
+            <a:r>
+              <a:rPr lang="he-IL" dirty="0"/>
+              <a:t>לכן החלטנו לבנות סקריפט שיאפשר לנו להריץ </a:t>
+            </a:r>
+            <a:r>
+              <a:rPr lang="he-IL" dirty="0" err="1"/>
+              <a:t>סינטזה</a:t>
+            </a:r>
+            <a:r>
+              <a:rPr lang="he-IL" dirty="0"/>
+              <a:t> בצורה פשוטה ומהירה, וללא פתיחה של </a:t>
+            </a:r>
+            <a:r>
+              <a:rPr lang="en-US" dirty="0"/>
+              <a:t>GUI</a:t>
+            </a:r>
+            <a:r>
+              <a:rPr lang="he-IL" dirty="0"/>
+              <a:t> איטי ומסורבל.</a:t>
+            </a:r>
+          </a:p>
+          <a:p>
+            <a:pPr algn="r" rtl="1"/>
+            <a:r>
+              <a:rPr lang="he-IL" dirty="0"/>
+              <a:t>עם הסקריפט שבנינו קל מאוד להריץ </a:t>
+            </a:r>
+            <a:r>
+              <a:rPr lang="he-IL" dirty="0" err="1"/>
+              <a:t>סינטזה</a:t>
+            </a:r>
+            <a:r>
+              <a:rPr lang="he-IL" dirty="0"/>
+              <a:t>, וגם הוספת קבצים </a:t>
+            </a:r>
+            <a:r>
+              <a:rPr lang="he-IL" dirty="0" err="1"/>
+              <a:t>לסינטזה</a:t>
+            </a:r>
+            <a:r>
+              <a:rPr lang="he-IL" dirty="0"/>
+              <a:t> מתבצעת בצורה פשוטה.</a:t>
+            </a:r>
             <a:endParaRPr lang="en-US" dirty="0"/>
           </a:p>
         </p:txBody>
@@ -2385,6 +2891,10 @@
               <a:rPr lang="he-IL" dirty="0" err="1"/>
               <a:t>הסינטזה</a:t>
             </a:r>
+            <a:r>
+              <a:rPr lang="he-IL" dirty="0"/>
+              <a:t> (כולל עדכון שם משתמש בקובץ הפקודות)</a:t>
+            </a:r>
             <a:endParaRPr lang="en-US" dirty="0"/>
           </a:p>
         </p:txBody>
@@ -2470,6 +2980,106 @@
           <a:lstStyle/>
           <a:p>
             <a:pPr algn="r" rtl="1"/>
+            <a:r>
+              <a:rPr lang="he-IL" dirty="0"/>
+              <a:t>הקומפיילר של </a:t>
+            </a:r>
+            <a:r>
+              <a:rPr lang="en-US" dirty="0"/>
+              <a:t>GNU</a:t>
+            </a:r>
+            <a:r>
+              <a:rPr lang="he-IL" dirty="0"/>
+              <a:t> ( </a:t>
+            </a:r>
+            <a:r>
+              <a:rPr lang="en-US" dirty="0"/>
+              <a:t>GCC – Gnu Compiler Collection </a:t>
+            </a:r>
+            <a:r>
+              <a:rPr lang="he-IL" dirty="0"/>
+              <a:t> ) לא תומך בפקודות החדשות שהוספנו, לכן עלינו למצוא פתרון עבור כתיבת הפקודות בקודים אותם אנו רוצים להריץ</a:t>
+            </a:r>
+          </a:p>
+          <a:p>
+            <a:pPr algn="r" rtl="1"/>
+            <a:r>
+              <a:rPr lang="he-IL" dirty="0"/>
+              <a:t>פתרון ראשון הינו המרת הפקודות באופן ידני, דבר ארוך ומייגע, ובכל שינוי בפקודה יש צורך לבצע את ההמרה מחדש</a:t>
+            </a:r>
+          </a:p>
+          <a:p>
+            <a:pPr algn="r" rtl="1"/>
+            <a:r>
+              <a:rPr lang="he-IL" dirty="0"/>
+              <a:t>פתרון שני הוא עדכון של ה-</a:t>
+            </a:r>
+            <a:r>
+              <a:rPr lang="en-US" dirty="0"/>
+              <a:t>GCC</a:t>
+            </a:r>
+            <a:r>
+              <a:rPr lang="he-IL" dirty="0"/>
+              <a:t>, אך מכיוון שגם </a:t>
+            </a:r>
+            <a:r>
+              <a:rPr lang="en-US" dirty="0"/>
+              <a:t>ENICS LAB</a:t>
+            </a:r>
+            <a:r>
+              <a:rPr lang="he-IL" dirty="0"/>
+              <a:t> בבר אילן הזהירו  אותנו מלהיכנס לקומפיילר, וגם הפקודות שהוסיפו </a:t>
+            </a:r>
+            <a:r>
+              <a:rPr lang="he-IL" dirty="0" err="1"/>
+              <a:t>בפרוייקט</a:t>
+            </a:r>
+            <a:r>
+              <a:rPr lang="he-IL" dirty="0"/>
+              <a:t> </a:t>
+            </a:r>
+            <a:r>
+              <a:rPr lang="en-US" dirty="0"/>
+              <a:t>PULP</a:t>
+            </a:r>
+            <a:r>
+              <a:rPr lang="he-IL" dirty="0"/>
+              <a:t> לא נתמכות, הבנו שזה בעייתי.</a:t>
+            </a:r>
+          </a:p>
+          <a:p>
+            <a:pPr algn="r" rtl="1"/>
+            <a:r>
+              <a:rPr lang="he-IL" dirty="0"/>
+              <a:t>פתרון שלישי הוא בניית סקריפט שירוץ לפני הקומפיילר של </a:t>
+            </a:r>
+            <a:r>
+              <a:rPr lang="en-US" dirty="0"/>
+              <a:t>GNU</a:t>
+            </a:r>
+            <a:r>
+              <a:rPr lang="he-IL" dirty="0"/>
+              <a:t>, וימיר את פקודות ה-</a:t>
+            </a:r>
+            <a:r>
+              <a:rPr lang="en-US" dirty="0"/>
+              <a:t>AES</a:t>
+            </a:r>
+            <a:r>
+              <a:rPr lang="he-IL" dirty="0"/>
+              <a:t> עבורנו.</a:t>
+            </a:r>
+          </a:p>
+          <a:p>
+            <a:pPr algn="r" rtl="1"/>
+            <a:r>
+              <a:rPr lang="he-IL" dirty="0"/>
+              <a:t>ניתן לראות בתמונה הדפסה של הסקריפט אותו בנינו, בה הוא מכריז על הצלחה בהמרת הפקודות למספר </a:t>
+            </a:r>
+            <a:r>
+              <a:rPr lang="he-IL" dirty="0" err="1"/>
+              <a:t>הקסאדצימלי</a:t>
+            </a:r>
             <a:endParaRPr lang="en-US" dirty="0"/>
           </a:p>
         </p:txBody>
@@ -2565,7 +3175,7 @@
             </a:r>
             <a:r>
               <a:rPr lang="he-IL" dirty="0"/>
-              <a:t> של פייטון המאפשרת לנו לייצר שדות עם גודל בביטים, ולאחד אותם לפקודה של 32 ביט</a:t>
+              <a:t> של פייטון בתוך הקומפיילר שבנינו מאפשרת לנו לייצר שדות עם גודל בביטים, ולאחד אותם לפקודה של 32 ביט</a:t>
             </a:r>
             <a:endParaRPr lang="en-US" dirty="0"/>
           </a:p>
@@ -2662,7 +3272,7 @@
             </a:r>
             <a:r>
               <a:rPr lang="he-IL" dirty="0"/>
-              <a:t> לפי שם הפקודה</a:t>
+              <a:t> לפי שם הפקודה, מחליף את השימוש בערכים קבועים בקוד, והופך את העדכון שלו לפשוט יותר, ואת הקוד עצמו לקריא יותר.</a:t>
             </a:r>
             <a:endParaRPr lang="en-US" dirty="0"/>
           </a:p>
@@ -2751,7 +3361,7 @@
             <a:pPr algn="r" rtl="1"/>
             <a:r>
               <a:rPr lang="he-IL" dirty="0"/>
-              <a:t>דוגמא ליצירת אובייקט מסוג </a:t>
+              <a:t>כאן אנו רואים דוגמא ליצירת אובייקט מסוג </a:t>
             </a:r>
             <a:r>
               <a:rPr lang="en-US" dirty="0"/>
@@ -2766,12 +3376,33 @@
             <a:pPr algn="r" rtl="1"/>
             <a:r>
               <a:rPr lang="he-IL" dirty="0"/>
-              <a:t>דוגמא לשימוש במילון הפונקציות של </a:t>
+              <a:t>ודוגמא לשימוש במילון הפונקציות של </a:t>
             </a:r>
             <a:r>
               <a:rPr lang="en-US" dirty="0"/>
               <a:t>AES</a:t>
             </a:r>
+            <a:r>
+              <a:rPr lang="he-IL" dirty="0"/>
+              <a:t> (הרבה יותר קריא לקרוא את מספר הפונקציה של </a:t>
+            </a:r>
+            <a:r>
+              <a:rPr lang="en-US" dirty="0"/>
+              <a:t>AES</a:t>
+            </a:r>
+            <a:r>
+              <a:rPr lang="he-IL" dirty="0"/>
+              <a:t>_</a:t>
+            </a:r>
+            <a:r>
+              <a:rPr lang="en-US" dirty="0"/>
+              <a:t>RUN</a:t>
+            </a:r>
+            <a:r>
+              <a:rPr lang="he-IL" dirty="0"/>
+              <a:t> מהמילון לעומת השמה של המספר 4 ישירות)</a:t>
+            </a:r>
+            <a:endParaRPr lang="en-US" dirty="0"/>
           </a:p>
         </p:txBody>
       </p:sp>
@@ -2892,6 +3523,78 @@
               <a:rPr lang="en-US" dirty="0"/>
               <a:t>AES</a:t>
             </a:r>
+            <a:endParaRPr lang="he-IL" dirty="0"/>
+          </a:p>
+          <a:p>
+            <a:pPr algn="r" rtl="1"/>
+            <a:r>
+              <a:rPr lang="he-IL" dirty="0"/>
+              <a:t>ניתן לראות שסימולציה זו הרבה יותר קריאה לעומת פקודות הכתובות במספר בבסיס </a:t>
+            </a:r>
+            <a:r>
+              <a:rPr lang="he-IL" dirty="0" err="1"/>
+              <a:t>הקסאדצימלי</a:t>
+            </a:r>
+            <a:r>
+              <a:rPr lang="he-IL" dirty="0"/>
+              <a:t> (</a:t>
+            </a:r>
+            <a:r>
+              <a:rPr lang="en-US" dirty="0"/>
+              <a:t>.word 0x45453</a:t>
+            </a:r>
+            <a:r>
+              <a:rPr lang="he-IL" dirty="0"/>
+              <a:t>)</a:t>
+            </a:r>
+          </a:p>
+          <a:p>
+            <a:pPr algn="r" rtl="1"/>
+            <a:r>
+              <a:rPr lang="he-IL" dirty="0"/>
+              <a:t>(האחוזים בפקודות ה-</a:t>
+            </a:r>
+            <a:r>
+              <a:rPr lang="en-US" dirty="0"/>
+              <a:t>LUI – Load Upper Immediate</a:t>
+            </a:r>
+            <a:r>
+              <a:rPr lang="he-IL" dirty="0"/>
+              <a:t> משמשים אותנו להצבת ערכים </a:t>
+            </a:r>
+            <a:r>
+              <a:rPr lang="he-IL" dirty="0" err="1"/>
+              <a:t>רנדומים</a:t>
+            </a:r>
+            <a:r>
+              <a:rPr lang="he-IL" dirty="0"/>
+              <a:t> ב-</a:t>
+            </a:r>
+            <a:r>
+              <a:rPr lang="en-US" dirty="0"/>
+              <a:t>KEY</a:t>
+            </a:r>
+            <a:r>
+              <a:rPr lang="he-IL" dirty="0"/>
+              <a:t> ו-</a:t>
+            </a:r>
+            <a:r>
+              <a:rPr lang="en-US" dirty="0"/>
+              <a:t>DATA</a:t>
+            </a:r>
+            <a:r>
+              <a:rPr lang="he-IL" dirty="0"/>
+              <a:t> לצרכי </a:t>
+            </a:r>
+            <a:r>
+              <a:rPr lang="he-IL" dirty="0" err="1"/>
+              <a:t>וריפיקציה</a:t>
+            </a:r>
+            <a:r>
+              <a:rPr lang="he-IL" dirty="0"/>
+              <a:t>)</a:t>
+            </a:r>
+            <a:endParaRPr lang="en-US" dirty="0"/>
           </a:p>
         </p:txBody>
       </p:sp>
@@ -3002,7 +3705,7 @@
             <a:pPr algn="r" rtl="1"/>
             <a:r>
               <a:rPr lang="he-IL" dirty="0"/>
-              <a:t>ניתן לראות שכתבנו </a:t>
+              <a:t>ניתן לראות שרצינו לכתוב </a:t>
             </a:r>
             <a:r>
               <a:rPr lang="en-US" dirty="0"/>
@@ -3018,7 +3721,7 @@
             </a:r>
             <a:r>
               <a:rPr lang="he-IL" dirty="0"/>
-              <a:t> לרגיסטר שני</a:t>
+              <a:t> לרגיסטר שני, והכתיבה התבצעה בהצלחה</a:t>
             </a:r>
             <a:endParaRPr lang="en-US" dirty="0"/>
           </a:p>
@@ -3115,7 +3818,7 @@
             </a:r>
             <a:r>
               <a:rPr lang="he-IL" dirty="0"/>
-              <a:t>, ניתן לראות את תוצאת ההצפנה של המידע שטענו בסימולציה קודמת</a:t>
+              <a:t>, ניתן לראות את תוצאת ההצפנה של המידע שטענו בסימולציה קודמת, וידאנו שתוצאת ההצפנה שקיבלנו הינה נכונה בעזרת אלגוריתמים מהאינטרנט (בשלב זה)</a:t>
             </a:r>
             <a:endParaRPr lang="en-US" dirty="0"/>
           </a:p>
@@ -3204,7 +3907,7 @@
             <a:pPr algn="r" rtl="1"/>
             <a:r>
               <a:rPr lang="he-IL" dirty="0"/>
-              <a:t>דוגמא לסימולציה של מודול הכתיבה, ניתן לראות את התקדמות הכתובת לכתיבה בצהוב, ואת התחלפות המידע לכתיבה באדום</a:t>
+              <a:t>דוגמא לסימולציה של מודול הכתיבה, ניתן לראות את התקדמות הכתובת לכתיבה בצהוב (4+ בכל שלב), ואת התחלפות המידע לכתיבה באדום בהתאם לרגיסטר אותו אנו רוצים לכתוב.</a:t>
             </a:r>
             <a:endParaRPr lang="en-US" dirty="0"/>
           </a:p>
@@ -3293,14 +3996,14 @@
             <a:pPr algn="r" rtl="1"/>
             <a:r>
               <a:rPr lang="he-IL" dirty="0"/>
-              <a:t>רקע קצר</a:t>
+              <a:t>רקע קצר על המערכות בהם עשינו שימוש</a:t>
             </a:r>
           </a:p>
           <a:p>
             <a:pPr algn="r" rtl="1"/>
             <a:r>
               <a:rPr lang="he-IL" dirty="0"/>
-              <a:t>ריסק5 – מעבד קוד פתוח חופשי מתמלוגים</a:t>
+              <a:t>ריסק5 – מעבד קוד פתוח חינמי (חופשי מתמלוגים), פותח באוניברסיטת ברקלי</a:t>
             </a:r>
             <a:endParaRPr lang="en-US" dirty="0"/>
           </a:p>
@@ -3312,7 +4015,7 @@
             </a:r>
             <a:r>
               <a:rPr lang="he-IL" dirty="0"/>
-              <a:t> – מיקרו בקר העושה שימוש בליבת ריסק5</a:t>
+              <a:t> – מיקרו בקר העושה שימוש בליבת ריסק5, פותח בשיתוף פעולה של אוניברסיטת ציריך ואוניברסיטת בולוניה</a:t>
             </a:r>
           </a:p>
           <a:p>
@@ -3369,7 +4072,7 @@
             </a:r>
             <a:r>
               <a:rPr lang="he-IL" dirty="0"/>
-              <a:t> – אלגוריתם הצפנה - צופן בלוקים סימטרי – הצפנה בבלוקים, עם מפתח הצפנה זהה למפתח פענוח</a:t>
+              <a:t> – אלגוריתם הצפנה מסוג - צופן בלוקים סימטרי – הצפנה בבלוקים, עם מפתח הצפנה זהה למפתח פענוח</a:t>
             </a:r>
           </a:p>
           <a:p>
@@ -3461,7 +4164,7 @@
             <a:pPr algn="r" rtl="1"/>
             <a:r>
               <a:rPr lang="he-IL" dirty="0"/>
-              <a:t>דוגמא לטסט של מצפין ה-</a:t>
+              <a:t>זוהי דוגמא לטסט של מצפין ה-</a:t>
             </a:r>
             <a:r>
               <a:rPr lang="en-US" dirty="0"/>
@@ -3489,7 +4192,7 @@
             </a:r>
             <a:r>
               <a:rPr lang="he-IL" dirty="0"/>
-              <a:t>, וזהה להצפנה ב-פייטון</a:t>
+              <a:t>, וזהה להצפנה ב-פייטון, לכן הטסט עבר בהצלחה (בכחול)</a:t>
             </a:r>
           </a:p>
           <a:p>
@@ -3508,7 +4211,54 @@
             </a:r>
             <a:r>
               <a:rPr lang="he-IL" dirty="0"/>
-              <a:t> רץ ב-32715 מחזורים</a:t>
+              <a:t> רץ ב-32715 מחזורים, לכן אנו רואים שיפור משמעותי בזמן הריצה ב-</a:t>
+            </a:r>
+            <a:r>
+              <a:rPr lang="en-US" dirty="0"/>
+              <a:t>RISCV</a:t>
+            </a:r>
+            <a:r>
+              <a:rPr lang="he-IL" dirty="0"/>
+              <a:t> </a:t>
+            </a:r>
+            <a:r>
+              <a:rPr lang="en-US" dirty="0"/>
+              <a:t>AES</a:t>
+            </a:r>
+            <a:r>
+              <a:rPr lang="he-IL" dirty="0"/>
+              <a:t> לעומת </a:t>
+            </a:r>
+            <a:r>
+              <a:rPr lang="en-US" dirty="0"/>
+              <a:t>C</a:t>
+            </a:r>
+            <a:r>
+              <a:rPr lang="he-IL" dirty="0"/>
+              <a:t> </a:t>
+            </a:r>
+            <a:r>
+              <a:rPr lang="en-US" dirty="0"/>
+              <a:t>AES</a:t>
+            </a:r>
+            <a:r>
+              <a:rPr lang="he-IL" dirty="0"/>
+              <a:t> ( פי 6 יותר מהיר, באדום)</a:t>
+            </a:r>
+          </a:p>
+          <a:p>
+            <a:pPr algn="r" rtl="1"/>
+            <a:r>
+              <a:rPr lang="he-IL" dirty="0"/>
+              <a:t>הטקסט שהצפנו מסומן בכתום, והטקסט לאחר ההצפנה מסומן בירוק, ניתן לראות שהרקע שמלווה אותנו הוא בעצם הצפנה של המשפט </a:t>
+            </a:r>
+            <a:r>
+              <a:rPr lang="en-US" dirty="0"/>
+              <a:t>thanks take care</a:t>
+            </a:r>
+            <a:r>
+              <a:rPr lang="he-IL" dirty="0"/>
+              <a:t>, בעוד שלא ניתן להבין זאת כלל ללא פענוח הטקסט המוצפן.</a:t>
             </a:r>
             <a:endParaRPr lang="en-US" dirty="0"/>
           </a:p>
@@ -3597,7 +4347,7 @@
             <a:pPr algn="r" rtl="1"/>
             <a:r>
               <a:rPr lang="he-IL" dirty="0"/>
-              <a:t>ניתן לראות שהביצועים מבחינת צריכת הספק ואורך מסלול קריטי בקושי השתנו, בעוד צריכת המקום עלתה פי ארבע</a:t>
+              <a:t>ניתן לראות שהביצועים מבחינת צריכת הספק ואורך מסלול קריטי בקושי השתנו, בעוד צריכת המקום עלתה פי ארבע.</a:t>
             </a:r>
           </a:p>
           <a:p>
@@ -3645,6 +4395,185 @@
     <p:extLst>
       <p:ext uri="{BB962C8B-B14F-4D97-AF65-F5344CB8AC3E}">
         <p14:creationId xmlns:p14="http://schemas.microsoft.com/office/powerpoint/2010/main" val="1779939119"/>
+      </p:ext>
+    </p:extLst>
+  </p:cSld>
+  <p:clrMapOvr>
+    <a:masterClrMapping/>
+  </p:clrMapOvr>
+</p:notes>
+</file>
+
+<file path=ppt/notesSlides/notesSlide32.xml><?xml version="1.0" encoding="utf-8"?>
+<p:notes xmlns:a="http://schemas.openxmlformats.org/drawingml/2006/main" xmlns:r="http://schemas.openxmlformats.org/officeDocument/2006/relationships" xmlns:p="http://schemas.openxmlformats.org/presentationml/2006/main">
+  <p:cSld>
+    <p:spTree>
+      <p:nvGrpSpPr>
+        <p:cNvPr id="1" name=""/>
+        <p:cNvGrpSpPr/>
+        <p:nvPr/>
+      </p:nvGrpSpPr>
+      <p:grpSpPr>
+        <a:xfrm>
+          <a:off x="0" y="0"/>
+          <a:ext cx="0" cy="0"/>
+          <a:chOff x="0" y="0"/>
+          <a:chExt cx="0" cy="0"/>
+        </a:xfrm>
+      </p:grpSpPr>
+      <p:sp>
+        <p:nvSpPr>
+          <p:cNvPr id="2" name="Slide Image Placeholder 1"/>
+          <p:cNvSpPr>
+            <a:spLocks noGrp="1" noRot="1" noChangeAspect="1"/>
+          </p:cNvSpPr>
+          <p:nvPr>
+            <p:ph type="sldImg"/>
+          </p:nvPr>
+        </p:nvSpPr>
+        <p:spPr/>
+      </p:sp>
+      <p:sp>
+        <p:nvSpPr>
+          <p:cNvPr id="3" name="Notes Placeholder 2"/>
+          <p:cNvSpPr>
+            <a:spLocks noGrp="1"/>
+          </p:cNvSpPr>
+          <p:nvPr>
+            <p:ph type="body" idx="1"/>
+          </p:nvPr>
+        </p:nvSpPr>
+        <p:spPr/>
+        <p:txBody>
+          <a:bodyPr/>
+          <a:lstStyle/>
+          <a:p>
+            <a:pPr algn="r" rtl="1"/>
+            <a:r>
+              <a:rPr lang="he-IL" dirty="0"/>
+              <a:t>לסיכום, מימשנו בהצלחה מאיץ </a:t>
+            </a:r>
+            <a:r>
+              <a:rPr lang="en-US" dirty="0"/>
+              <a:t>AES</a:t>
+            </a:r>
+            <a:r>
+              <a:rPr lang="he-IL" dirty="0"/>
+              <a:t> בתוך מעבד </a:t>
+            </a:r>
+            <a:r>
+              <a:rPr lang="en-US" dirty="0"/>
+              <a:t>RISCV</a:t>
+            </a:r>
+            <a:r>
+              <a:rPr lang="he-IL" dirty="0"/>
+              <a:t>, תוך שמירה על ביצועי </a:t>
+            </a:r>
+            <a:r>
+              <a:rPr lang="en-US" dirty="0"/>
+              <a:t>POWER</a:t>
+            </a:r>
+            <a:r>
+              <a:rPr lang="he-IL" dirty="0"/>
+              <a:t> ו-</a:t>
+            </a:r>
+            <a:r>
+              <a:rPr lang="en-US" dirty="0"/>
+              <a:t>TIME</a:t>
+            </a:r>
+            <a:r>
+              <a:rPr lang="he-IL" dirty="0"/>
+              <a:t>, אך עם השפעה ניכרת על ה-</a:t>
+            </a:r>
+            <a:r>
+              <a:rPr lang="en-US" dirty="0"/>
+              <a:t>AREA</a:t>
+            </a:r>
+            <a:endParaRPr lang="he-IL" dirty="0"/>
+          </a:p>
+          <a:p>
+            <a:pPr algn="r" rtl="1"/>
+            <a:r>
+              <a:rPr lang="he-IL" dirty="0"/>
+              <a:t>ייצרנו סביבת משתמש קלה לשימוש, הכוללת כתיבת פקודות בצורה דומה לפקודות המקוריות של </a:t>
+            </a:r>
+            <a:r>
+              <a:rPr lang="en-US" dirty="0"/>
+              <a:t>RISCV</a:t>
+            </a:r>
+            <a:r>
+              <a:rPr lang="he-IL" dirty="0"/>
+              <a:t>, ובנוסף סקריפט בדיקה למערכת ה-</a:t>
+            </a:r>
+            <a:r>
+              <a:rPr lang="en-US" dirty="0"/>
+              <a:t>AES</a:t>
+            </a:r>
+            <a:endParaRPr lang="he-IL" dirty="0"/>
+          </a:p>
+          <a:p>
+            <a:pPr algn="r" rtl="1"/>
+            <a:r>
+              <a:rPr lang="he-IL" dirty="0"/>
+              <a:t>שיפרנו את הסקריפטים המקוריים, והוספנו אפשרויות סימולציה.</a:t>
+            </a:r>
+          </a:p>
+          <a:p>
+            <a:pPr algn="r" rtl="1"/>
+            <a:r>
+              <a:rPr lang="he-IL" dirty="0"/>
+              <a:t>הוספנו סקריפט </a:t>
+            </a:r>
+            <a:r>
+              <a:rPr lang="he-IL" dirty="0" err="1"/>
+              <a:t>סינטזה</a:t>
+            </a:r>
+            <a:r>
+              <a:rPr lang="he-IL" dirty="0"/>
+              <a:t> המקל על השימוש והפיתוח בבקר ה-</a:t>
+            </a:r>
+            <a:r>
+              <a:rPr lang="en-US" dirty="0"/>
+              <a:t>PULPENIX</a:t>
+            </a:r>
+            <a:r>
+              <a:rPr lang="he-IL" dirty="0"/>
+              <a:t>.</a:t>
+            </a:r>
+          </a:p>
+          <a:p>
+            <a:pPr algn="r" rtl="1"/>
+            <a:endParaRPr lang="en-US" dirty="0"/>
+          </a:p>
+        </p:txBody>
+      </p:sp>
+      <p:sp>
+        <p:nvSpPr>
+          <p:cNvPr id="4" name="Slide Number Placeholder 3"/>
+          <p:cNvSpPr>
+            <a:spLocks noGrp="1"/>
+          </p:cNvSpPr>
+          <p:nvPr>
+            <p:ph type="sldNum" sz="quarter" idx="5"/>
+          </p:nvPr>
+        </p:nvSpPr>
+        <p:spPr/>
+        <p:txBody>
+          <a:bodyPr/>
+          <a:lstStyle/>
+          <a:p>
+            <a:fld id="{FFE9FAFC-D191-4543-8F0A-0BA7C7185E85}" type="slidenum">
+              <a:rPr lang="en-IL" smtClean="0"/>
+              <a:t>32</a:t>
+            </a:fld>
+            <a:endParaRPr lang="en-IL"/>
+          </a:p>
+        </p:txBody>
+      </p:sp>
+    </p:spTree>
+    <p:extLst>
+      <p:ext uri="{BB962C8B-B14F-4D97-AF65-F5344CB8AC3E}">
+        <p14:creationId xmlns:p14="http://schemas.microsoft.com/office/powerpoint/2010/main" val="2719930758"/>
       </p:ext>
     </p:extLst>
   </p:cSld>
@@ -3832,7 +4761,7 @@
             <a:pPr algn="r" rtl="1"/>
             <a:r>
               <a:rPr lang="he-IL" dirty="0"/>
-              <a:t>פתרונות אפשריים</a:t>
+              <a:t>כעת נפרט על פתרונות אפשריים לבעיית ההצפנה בריסק5</a:t>
             </a:r>
           </a:p>
           <a:p>
@@ -3989,15 +4918,115 @@
             </a:r>
           </a:p>
           <a:p>
+            <a:pPr marL="0" marR="0" lvl="0" indent="0" algn="r" defTabSz="914400" rtl="1" eaLnBrk="1" fontAlgn="auto" latinLnBrk="0" hangingPunct="1">
+              <a:lnSpc>
+                <a:spcPct val="100000"/>
+              </a:lnSpc>
+              <a:spcBef>
+                <a:spcPts val="0"/>
+              </a:spcBef>
+              <a:spcAft>
+                <a:spcPts val="0"/>
+              </a:spcAft>
+              <a:buClrTx/>
+              <a:buSzTx/>
+              <a:buFontTx/>
+              <a:buNone/>
+              <a:tabLst/>
+              <a:defRPr/>
+            </a:pPr>
+            <a:r>
+              <a:rPr lang="he-IL"/>
+              <a:t>אך ראשית מתבצעת הרחבת מפתח ההצפנה מ-128 ביט ל-128*11 (1408) ביט</a:t>
+            </a:r>
+          </a:p>
+          <a:p>
             <a:pPr algn="r" rtl="1"/>
             <a:r>
+              <a:rPr lang="he-IL"/>
+              <a:t>שלב </a:t>
+            </a:r>
+            <a:r>
               <a:rPr lang="he-IL" dirty="0"/>
-              <a:t>שלב אחרון לא כולל בתוכו </a:t>
+              <a:t>ראשון בכל סבבה הינו פעולת </a:t>
             </a:r>
             <a:r>
               <a:rPr lang="en-US" dirty="0"/>
-              <a:t>MixColumns</a:t>
-            </a:r>
+              <a:t>XOR</a:t>
+            </a:r>
+            <a:r>
+              <a:rPr lang="he-IL" dirty="0"/>
+              <a:t> עם 128 ביט ממפתח ההצפנה  המורחב</a:t>
+            </a:r>
+          </a:p>
+          <a:p>
+            <a:pPr algn="r" rtl="1"/>
+            <a:r>
+              <a:rPr lang="he-IL" dirty="0"/>
+              <a:t>שלב שני הוא החלפת בתים, בו כל בייט מוחלף בתוצאה המתקבלת מפונקציית האש </a:t>
+            </a:r>
+            <a:r>
+              <a:rPr lang="en-US" dirty="0"/>
+              <a:t>SBOX</a:t>
+            </a:r>
+            <a:r>
+              <a:rPr lang="he-IL" dirty="0"/>
+              <a:t> עבור אותו בייט</a:t>
+            </a:r>
+          </a:p>
+          <a:p>
+            <a:pPr algn="r" rtl="1"/>
+            <a:r>
+              <a:rPr lang="he-IL" dirty="0"/>
+              <a:t>שלב שלישי הינו הזזת שורות, שהוא בעצם פעולת </a:t>
+            </a:r>
+            <a:r>
+              <a:rPr lang="en-US" dirty="0"/>
+              <a:t>SHIFT</a:t>
+            </a:r>
+            <a:r>
+              <a:rPr lang="he-IL" dirty="0"/>
+              <a:t> של שורות מטריצת המידע (מטריצת 4</a:t>
+            </a:r>
+            <a:r>
+              <a:rPr lang="en-US" dirty="0"/>
+              <a:t>X</a:t>
+            </a:r>
+            <a:r>
+              <a:rPr lang="he-IL" dirty="0"/>
+              <a:t>4, בה כל תא הוא בייט)</a:t>
+            </a:r>
+          </a:p>
+          <a:p>
+            <a:pPr algn="r" rtl="1"/>
+            <a:r>
+              <a:rPr lang="he-IL"/>
+              <a:t>שלב רביעי הוא ערבול עמודות, בו מתבצע כפל מטריצי של מטריצה ספציפית ואחידה בכל אחת מעמודות המטריצה של המידע, ולאחר מכן פעולת </a:t>
+            </a:r>
+            <a:r>
+              <a:rPr lang="en-US"/>
+              <a:t>XOR</a:t>
+            </a:r>
+            <a:r>
+              <a:rPr lang="he-IL"/>
+              <a:t> של התוצאה עם מטריצת המידע.</a:t>
+            </a:r>
+          </a:p>
+          <a:p>
+            <a:pPr algn="r" rtl="1"/>
+            <a:endParaRPr lang="he-IL"/>
+          </a:p>
+          <a:p>
+            <a:pPr algn="r" rtl="1"/>
+            <a:r>
+              <a:rPr lang="he-IL"/>
+              <a:t>סבב </a:t>
+            </a:r>
+            <a:r>
+              <a:rPr lang="he-IL" dirty="0"/>
+              <a:t>אחרון לא כולל בתוכו ערבול עמודות, מכיוון שפעולה זו בסבב האחרון לא תורמת עוד לרמת ההצפנה.</a:t>
+            </a:r>
+            <a:endParaRPr lang="en-US" dirty="0"/>
           </a:p>
         </p:txBody>
       </p:sp>
@@ -4180,11 +5209,15 @@
             <a:pPr algn="r" rtl="1"/>
             <a:r>
               <a:rPr lang="he-IL" dirty="0"/>
-              <a:t>משנה את ערך כל אחד מהבתים בעזרת פונקציית האש </a:t>
+              <a:t>שלב ראשון בכל סבבה הינו פעולת </a:t>
             </a:r>
             <a:r>
               <a:rPr lang="en-US" dirty="0"/>
-              <a:t>SBOX</a:t>
+              <a:t>XOR</a:t>
+            </a:r>
+            <a:r>
+              <a:rPr lang="he-IL" dirty="0"/>
+              <a:t> עם 128 ביטים (עוקבים בין כל סבב) ממפתח ההצפנה  המורחב</a:t>
             </a:r>
           </a:p>
         </p:txBody>
@@ -4215,7 +5248,7 @@
     </p:spTree>
     <p:extLst>
       <p:ext uri="{BB962C8B-B14F-4D97-AF65-F5344CB8AC3E}">
-        <p14:creationId xmlns:p14="http://schemas.microsoft.com/office/powerpoint/2010/main" val="423905728"/>
+        <p14:creationId xmlns:p14="http://schemas.microsoft.com/office/powerpoint/2010/main" val="378387806"/>
       </p:ext>
     </p:extLst>
   </p:cSld>
@@ -4272,37 +5305,16 @@
             <a:pPr algn="r" rtl="1"/>
             <a:r>
               <a:rPr lang="he-IL" dirty="0"/>
-              <a:t>מזיזה את כל אחד מהבתים לפי השורה בה הוא נמצא:</a:t>
-            </a:r>
-          </a:p>
-          <a:p>
-            <a:pPr algn="r" rtl="1"/>
+              <a:t>שלב שני הוא החלפת בתים, בו כל בייט מוחלף בתוצאה המתקבלת מפונקציית האש </a:t>
+            </a:r>
+            <a:r>
+              <a:rPr lang="en-US" dirty="0"/>
+              <a:t>SBOX</a:t>
+            </a:r>
             <a:r>
               <a:rPr lang="he-IL" dirty="0"/>
-              <a:t>שורה 1 	1&gt;&gt;</a:t>
-            </a:r>
-          </a:p>
-          <a:p>
-            <a:pPr algn="r" rtl="1"/>
-            <a:r>
-              <a:rPr lang="he-IL" dirty="0"/>
-              <a:t>שורה 2	2&gt;&gt;</a:t>
-            </a:r>
-          </a:p>
-          <a:p>
-            <a:pPr algn="r" rtl="1"/>
-            <a:r>
-              <a:rPr lang="he-IL" dirty="0"/>
-              <a:t>שורה 3	3&gt;&gt;</a:t>
-            </a:r>
-          </a:p>
-          <a:p>
-            <a:pPr algn="r" rtl="1"/>
-            <a:r>
-              <a:rPr lang="he-IL" dirty="0"/>
-              <a:t>שורה 4	4&gt;&gt;</a:t>
-            </a:r>
-            <a:endParaRPr lang="en-US" dirty="0"/>
+              <a:t> עבור אותו בייט</a:t>
+            </a:r>
           </a:p>
         </p:txBody>
       </p:sp>
@@ -4332,7 +5344,7 @@
     </p:spTree>
     <p:extLst>
       <p:ext uri="{BB962C8B-B14F-4D97-AF65-F5344CB8AC3E}">
-        <p14:creationId xmlns:p14="http://schemas.microsoft.com/office/powerpoint/2010/main" val="3040681646"/>
+        <p14:creationId xmlns:p14="http://schemas.microsoft.com/office/powerpoint/2010/main" val="423905728"/>
       </p:ext>
     </p:extLst>
   </p:cSld>
@@ -4491,7 +5503,7 @@
           <a:p>
             <a:fld id="{56803F0A-4B0D-4070-ADDA-67492E690BD0}" type="datetime1">
               <a:rPr lang="LID4096" smtClean="0"/>
-              <a:t>11/22/2020</a:t>
+              <a:t>11/23/2020</a:t>
             </a:fld>
             <a:endParaRPr lang="en-IL"/>
           </a:p>
@@ -4691,7 +5703,7 @@
           <a:p>
             <a:fld id="{62F7DB90-7AC0-4C94-A341-9EBFCB91AFC7}" type="datetime1">
               <a:rPr lang="LID4096" smtClean="0"/>
-              <a:t>11/22/2020</a:t>
+              <a:t>11/23/2020</a:t>
             </a:fld>
             <a:endParaRPr lang="en-IL"/>
           </a:p>
@@ -4901,7 +5913,7 @@
           <a:p>
             <a:fld id="{5B53CD4F-F4FB-45C6-951B-3D8B3968C11F}" type="datetime1">
               <a:rPr lang="LID4096" smtClean="0"/>
-              <a:t>11/22/2020</a:t>
+              <a:t>11/23/2020</a:t>
             </a:fld>
             <a:endParaRPr lang="en-IL"/>
           </a:p>
@@ -5101,7 +6113,7 @@
           <a:p>
             <a:fld id="{5C22EACB-E4D2-4587-9AD8-D5B7462E01AC}" type="datetime1">
               <a:rPr lang="LID4096" smtClean="0"/>
-              <a:t>11/22/2020</a:t>
+              <a:t>11/23/2020</a:t>
             </a:fld>
             <a:endParaRPr lang="en-IL"/>
           </a:p>
@@ -5377,7 +6389,7 @@
           <a:p>
             <a:fld id="{39CCDACC-4DA8-4DC2-9AFA-EF103FE8069E}" type="datetime1">
               <a:rPr lang="LID4096" smtClean="0"/>
-              <a:t>11/22/2020</a:t>
+              <a:t>11/23/2020</a:t>
             </a:fld>
             <a:endParaRPr lang="en-IL"/>
           </a:p>
@@ -5645,7 +6657,7 @@
           <a:p>
             <a:fld id="{6A2E9728-5DF4-4F5B-BB48-2C3728B7AB67}" type="datetime1">
               <a:rPr lang="LID4096" smtClean="0"/>
-              <a:t>11/22/2020</a:t>
+              <a:t>11/23/2020</a:t>
             </a:fld>
             <a:endParaRPr lang="en-IL"/>
           </a:p>
@@ -6060,7 +7072,7 @@
           <a:p>
             <a:fld id="{26EB8399-9295-468F-910F-6B63E2139E06}" type="datetime1">
               <a:rPr lang="LID4096" smtClean="0"/>
-              <a:t>11/22/2020</a:t>
+              <a:t>11/23/2020</a:t>
             </a:fld>
             <a:endParaRPr lang="en-IL"/>
           </a:p>
@@ -6202,7 +7214,7 @@
           <a:p>
             <a:fld id="{0B2D3F7B-6FC7-4D85-AD93-46B16823D905}" type="datetime1">
               <a:rPr lang="LID4096" smtClean="0"/>
-              <a:t>11/22/2020</a:t>
+              <a:t>11/23/2020</a:t>
             </a:fld>
             <a:endParaRPr lang="en-IL"/>
           </a:p>
@@ -6315,7 +7327,7 @@
           <a:p>
             <a:fld id="{6FA9CB84-FD53-4737-9D90-4D340C6EBC1E}" type="datetime1">
               <a:rPr lang="LID4096" smtClean="0"/>
-              <a:t>11/22/2020</a:t>
+              <a:t>11/23/2020</a:t>
             </a:fld>
             <a:endParaRPr lang="en-IL"/>
           </a:p>
@@ -6628,7 +7640,7 @@
           <a:p>
             <a:fld id="{9531E078-4DCC-4F67-A4DA-CD91FD1A0E32}" type="datetime1">
               <a:rPr lang="LID4096" smtClean="0"/>
-              <a:t>11/22/2020</a:t>
+              <a:t>11/23/2020</a:t>
             </a:fld>
             <a:endParaRPr lang="en-IL"/>
           </a:p>
@@ -6917,7 +7929,7 @@
           <a:p>
             <a:fld id="{805C7B9C-091B-458E-A10E-3C1A34E8903E}" type="datetime1">
               <a:rPr lang="LID4096" smtClean="0"/>
-              <a:t>11/22/2020</a:t>
+              <a:t>11/23/2020</a:t>
             </a:fld>
             <a:endParaRPr lang="en-IL"/>
           </a:p>
@@ -6994,9 +8006,18 @@
 <p:sldMaster xmlns:a="http://schemas.openxmlformats.org/drawingml/2006/main" xmlns:r="http://schemas.openxmlformats.org/officeDocument/2006/relationships" xmlns:p="http://schemas.openxmlformats.org/presentationml/2006/main">
   <p:cSld>
     <p:bg>
-      <p:bgRef idx="1001">
-        <a:schemeClr val="bg1"/>
-      </p:bgRef>
+      <p:bgPr>
+        <a:blipFill dpi="0" rotWithShape="1">
+          <a:blip r:embed="rId13">
+            <a:lum/>
+          </a:blip>
+          <a:srcRect/>
+          <a:stretch>
+            <a:fillRect/>
+          </a:stretch>
+        </a:blipFill>
+        <a:effectLst/>
+      </p:bgPr>
     </p:bg>
     <p:spTree>
       <p:nvGrpSpPr>
@@ -7160,7 +8181,7 @@
           <a:p>
             <a:fld id="{F3F8C310-2B72-4576-8ACE-BCC70E44AB45}" type="datetime1">
               <a:rPr lang="LID4096" smtClean="0"/>
-              <a:t>11/22/2020</a:t>
+              <a:t>11/23/2020</a:t>
             </a:fld>
             <a:endParaRPr lang="en-IL"/>
           </a:p>
@@ -7872,6 +8893,316 @@
       </p:grpSpPr>
       <p:pic>
         <p:nvPicPr>
+          <p:cNvPr id="1026" name="Picture 2">
+            <a:extLst>
+              <a:ext uri="{FF2B5EF4-FFF2-40B4-BE49-F238E27FC236}">
+                <a16:creationId xmlns:a16="http://schemas.microsoft.com/office/drawing/2014/main" id="{CFA65FB7-8119-4013-9F5D-2DF0F70DC882}"/>
+              </a:ext>
+            </a:extLst>
+          </p:cNvPr>
+          <p:cNvPicPr>
+            <a:picLocks noChangeAspect="1" noChangeArrowheads="1"/>
+          </p:cNvPicPr>
+          <p:nvPr/>
+        </p:nvPicPr>
+        <p:blipFill>
+          <a:blip r:embed="rId3">
+            <a:extLst>
+              <a:ext uri="{28A0092B-C50C-407E-A947-70E740481C1C}">
+                <a14:useLocalDpi xmlns:a14="http://schemas.microsoft.com/office/drawing/2010/main" val="0"/>
+              </a:ext>
+            </a:extLst>
+          </a:blip>
+          <a:srcRect/>
+          <a:stretch>
+            <a:fillRect/>
+          </a:stretch>
+        </p:blipFill>
+        <p:spPr bwMode="auto">
+          <a:xfrm>
+            <a:off x="3284175" y="2361410"/>
+            <a:ext cx="5615985" cy="2124818"/>
+          </a:xfrm>
+          <a:prstGeom prst="rect">
+            <a:avLst/>
+          </a:prstGeom>
+          <a:noFill/>
+          <a:extLst>
+            <a:ext uri="{909E8E84-426E-40DD-AFC4-6F175D3DCCD1}">
+              <a14:hiddenFill xmlns:a14="http://schemas.microsoft.com/office/drawing/2010/main">
+                <a:solidFill>
+                  <a:srgbClr val="FFFFFF"/>
+                </a:solidFill>
+              </a14:hiddenFill>
+            </a:ext>
+          </a:extLst>
+        </p:spPr>
+      </p:pic>
+      <p:sp>
+        <p:nvSpPr>
+          <p:cNvPr id="3" name="Arrow: Left 2">
+            <a:hlinkClick r:id="rId4" action="ppaction://hlinksldjump"/>
+            <a:extLst>
+              <a:ext uri="{FF2B5EF4-FFF2-40B4-BE49-F238E27FC236}">
+                <a16:creationId xmlns:a16="http://schemas.microsoft.com/office/drawing/2014/main" id="{A486846B-E2C6-4E50-86F9-645DFE9C22D9}"/>
+              </a:ext>
+            </a:extLst>
+          </p:cNvPr>
+          <p:cNvSpPr/>
+          <p:nvPr/>
+        </p:nvSpPr>
+        <p:spPr>
+          <a:xfrm>
+            <a:off x="297711" y="6092455"/>
+            <a:ext cx="552893" cy="478465"/>
+          </a:xfrm>
+          <a:prstGeom prst="leftArrow">
+            <a:avLst/>
+          </a:prstGeom>
+        </p:spPr>
+        <p:style>
+          <a:lnRef idx="2">
+            <a:schemeClr val="accent5"/>
+          </a:lnRef>
+          <a:fillRef idx="1">
+            <a:schemeClr val="lt1"/>
+          </a:fillRef>
+          <a:effectRef idx="0">
+            <a:schemeClr val="accent5"/>
+          </a:effectRef>
+          <a:fontRef idx="minor">
+            <a:schemeClr val="dk1"/>
+          </a:fontRef>
+        </p:style>
+        <p:txBody>
+          <a:bodyPr rtlCol="0" anchor="ctr"/>
+          <a:lstStyle/>
+          <a:p>
+            <a:pPr algn="ctr"/>
+            <a:endParaRPr lang="en-IL"/>
+          </a:p>
+        </p:txBody>
+      </p:sp>
+      <p:sp>
+        <p:nvSpPr>
+          <p:cNvPr id="2" name="Rectangle 1">
+            <a:extLst>
+              <a:ext uri="{FF2B5EF4-FFF2-40B4-BE49-F238E27FC236}">
+                <a16:creationId xmlns:a16="http://schemas.microsoft.com/office/drawing/2014/main" id="{40C41DA8-2EBC-4B9D-9939-4BF32A6599F8}"/>
+              </a:ext>
+            </a:extLst>
+          </p:cNvPr>
+          <p:cNvSpPr/>
+          <p:nvPr/>
+        </p:nvSpPr>
+        <p:spPr>
+          <a:xfrm>
+            <a:off x="3048000" y="660070"/>
+            <a:ext cx="6096000" cy="938719"/>
+          </a:xfrm>
+          <a:prstGeom prst="rect">
+            <a:avLst/>
+          </a:prstGeom>
+        </p:spPr>
+        <p:txBody>
+          <a:bodyPr>
+            <a:spAutoFit/>
+          </a:bodyPr>
+          <a:lstStyle/>
+          <a:p>
+            <a:pPr algn="ctr"/>
+            <a:r>
+              <a:rPr lang="en-US" b="1" dirty="0" err="1">
+                <a:latin typeface="Arial" panose="020B0604020202020204" pitchFamily="34" charset="0"/>
+                <a:cs typeface="Arial" panose="020B0604020202020204" pitchFamily="34" charset="0"/>
+              </a:rPr>
+              <a:t>ShiftRows</a:t>
+            </a:r>
+            <a:endParaRPr lang="en-US" b="1" dirty="0">
+              <a:latin typeface="Arial" panose="020B0604020202020204" pitchFamily="34" charset="0"/>
+              <a:cs typeface="Arial" panose="020B0604020202020204" pitchFamily="34" charset="0"/>
+            </a:endParaRPr>
+          </a:p>
+          <a:p>
+            <a:pPr>
+              <a:spcBef>
+                <a:spcPts val="600"/>
+              </a:spcBef>
+            </a:pPr>
+            <a:r>
+              <a:rPr lang="en-US" sz="1600" dirty="0">
+                <a:latin typeface="Arial" panose="020B0604020202020204" pitchFamily="34" charset="0"/>
+                <a:cs typeface="Arial" panose="020B0604020202020204" pitchFamily="34" charset="0"/>
+              </a:rPr>
+              <a:t>A transposition step where the last three rows of the state are shifted cyclically a certain number of steps.</a:t>
+            </a:r>
+          </a:p>
+        </p:txBody>
+      </p:sp>
+      <p:sp>
+        <p:nvSpPr>
+          <p:cNvPr id="6" name="Slide Number Placeholder 1">
+            <a:extLst>
+              <a:ext uri="{FF2B5EF4-FFF2-40B4-BE49-F238E27FC236}">
+                <a16:creationId xmlns:a16="http://schemas.microsoft.com/office/drawing/2014/main" id="{1F535B39-C163-426C-86E1-95F2F3B25095}"/>
+              </a:ext>
+            </a:extLst>
+          </p:cNvPr>
+          <p:cNvSpPr txBox="1">
+            <a:spLocks/>
+          </p:cNvSpPr>
+          <p:nvPr/>
+        </p:nvSpPr>
+        <p:spPr>
+          <a:xfrm>
+            <a:off x="11741690" y="6495535"/>
+            <a:ext cx="285503" cy="365125"/>
+          </a:xfrm>
+          <a:prstGeom prst="rect">
+            <a:avLst/>
+          </a:prstGeom>
+        </p:spPr>
+        <p:txBody>
+          <a:bodyPr vert="horz" lIns="91440" tIns="45720" rIns="91440" bIns="45720" rtlCol="0" anchor="ctr"/>
+          <a:lstStyle>
+            <a:defPPr>
+              <a:defRPr lang="en-IL"/>
+            </a:defPPr>
+            <a:lvl1pPr marL="0" algn="r" defTabSz="914400" rtl="0" eaLnBrk="1" latinLnBrk="0" hangingPunct="1">
+              <a:defRPr sz="1200" kern="1200">
+                <a:solidFill>
+                  <a:schemeClr val="tx1">
+                    <a:tint val="75000"/>
+                  </a:schemeClr>
+                </a:solidFill>
+                <a:latin typeface="+mn-lt"/>
+                <a:ea typeface="+mn-ea"/>
+                <a:cs typeface="+mn-cs"/>
+              </a:defRPr>
+            </a:lvl1pPr>
+            <a:lvl2pPr marL="457200" algn="l" defTabSz="914400" rtl="0" eaLnBrk="1" latinLnBrk="0" hangingPunct="1">
+              <a:defRPr sz="1800" kern="1200">
+                <a:solidFill>
+                  <a:schemeClr val="tx1"/>
+                </a:solidFill>
+                <a:latin typeface="+mn-lt"/>
+                <a:ea typeface="+mn-ea"/>
+                <a:cs typeface="+mn-cs"/>
+              </a:defRPr>
+            </a:lvl2pPr>
+            <a:lvl3pPr marL="914400" algn="l" defTabSz="914400" rtl="0" eaLnBrk="1" latinLnBrk="0" hangingPunct="1">
+              <a:defRPr sz="1800" kern="1200">
+                <a:solidFill>
+                  <a:schemeClr val="tx1"/>
+                </a:solidFill>
+                <a:latin typeface="+mn-lt"/>
+                <a:ea typeface="+mn-ea"/>
+                <a:cs typeface="+mn-cs"/>
+              </a:defRPr>
+            </a:lvl3pPr>
+            <a:lvl4pPr marL="1371600" algn="l" defTabSz="914400" rtl="0" eaLnBrk="1" latinLnBrk="0" hangingPunct="1">
+              <a:defRPr sz="1800" kern="1200">
+                <a:solidFill>
+                  <a:schemeClr val="tx1"/>
+                </a:solidFill>
+                <a:latin typeface="+mn-lt"/>
+                <a:ea typeface="+mn-ea"/>
+                <a:cs typeface="+mn-cs"/>
+              </a:defRPr>
+            </a:lvl4pPr>
+            <a:lvl5pPr marL="1828800" algn="l" defTabSz="914400" rtl="0" eaLnBrk="1" latinLnBrk="0" hangingPunct="1">
+              <a:defRPr sz="1800" kern="1200">
+                <a:solidFill>
+                  <a:schemeClr val="tx1"/>
+                </a:solidFill>
+                <a:latin typeface="+mn-lt"/>
+                <a:ea typeface="+mn-ea"/>
+                <a:cs typeface="+mn-cs"/>
+              </a:defRPr>
+            </a:lvl5pPr>
+            <a:lvl6pPr marL="2286000" algn="l" defTabSz="914400" rtl="0" eaLnBrk="1" latinLnBrk="0" hangingPunct="1">
+              <a:defRPr sz="1800" kern="1200">
+                <a:solidFill>
+                  <a:schemeClr val="tx1"/>
+                </a:solidFill>
+                <a:latin typeface="+mn-lt"/>
+                <a:ea typeface="+mn-ea"/>
+                <a:cs typeface="+mn-cs"/>
+              </a:defRPr>
+            </a:lvl6pPr>
+            <a:lvl7pPr marL="2743200" algn="l" defTabSz="914400" rtl="0" eaLnBrk="1" latinLnBrk="0" hangingPunct="1">
+              <a:defRPr sz="1800" kern="1200">
+                <a:solidFill>
+                  <a:schemeClr val="tx1"/>
+                </a:solidFill>
+                <a:latin typeface="+mn-lt"/>
+                <a:ea typeface="+mn-ea"/>
+                <a:cs typeface="+mn-cs"/>
+              </a:defRPr>
+            </a:lvl7pPr>
+            <a:lvl8pPr marL="3200400" algn="l" defTabSz="914400" rtl="0" eaLnBrk="1" latinLnBrk="0" hangingPunct="1">
+              <a:defRPr sz="1800" kern="1200">
+                <a:solidFill>
+                  <a:schemeClr val="tx1"/>
+                </a:solidFill>
+                <a:latin typeface="+mn-lt"/>
+                <a:ea typeface="+mn-ea"/>
+                <a:cs typeface="+mn-cs"/>
+              </a:defRPr>
+            </a:lvl8pPr>
+            <a:lvl9pPr marL="3657600" algn="l" defTabSz="914400" rtl="0" eaLnBrk="1" latinLnBrk="0" hangingPunct="1">
+              <a:defRPr sz="1800" kern="1200">
+                <a:solidFill>
+                  <a:schemeClr val="tx1"/>
+                </a:solidFill>
+                <a:latin typeface="+mn-lt"/>
+                <a:ea typeface="+mn-ea"/>
+                <a:cs typeface="+mn-cs"/>
+              </a:defRPr>
+            </a:lvl9pPr>
+          </a:lstStyle>
+          <a:p>
+            <a:fld id="{FA14CE62-B6AF-475A-BB26-7E2CBB4B5225}" type="slidenum">
+              <a:rPr lang="en-IL" sz="1600" smtClean="0"/>
+              <a:pPr/>
+              <a:t>10</a:t>
+            </a:fld>
+            <a:endParaRPr lang="en-IL" sz="1600" dirty="0"/>
+          </a:p>
+        </p:txBody>
+      </p:sp>
+    </p:spTree>
+    <p:extLst>
+      <p:ext uri="{BB962C8B-B14F-4D97-AF65-F5344CB8AC3E}">
+        <p14:creationId xmlns:p14="http://schemas.microsoft.com/office/powerpoint/2010/main" val="851036238"/>
+      </p:ext>
+    </p:extLst>
+  </p:cSld>
+  <p:clrMapOvr>
+    <a:masterClrMapping/>
+  </p:clrMapOvr>
+</p:sld>
+</file>
+
+<file path=ppt/slides/slide11.xml><?xml version="1.0" encoding="utf-8"?>
+<p:sld xmlns:a="http://schemas.openxmlformats.org/drawingml/2006/main" xmlns:r="http://schemas.openxmlformats.org/officeDocument/2006/relationships" xmlns:p="http://schemas.openxmlformats.org/presentationml/2006/main" show="0">
+  <p:cSld>
+    <p:spTree>
+      <p:nvGrpSpPr>
+        <p:cNvPr id="1" name=""/>
+        <p:cNvGrpSpPr/>
+        <p:nvPr/>
+      </p:nvGrpSpPr>
+      <p:grpSpPr>
+        <a:xfrm>
+          <a:off x="0" y="0"/>
+          <a:ext cx="0" cy="0"/>
+          <a:chOff x="0" y="0"/>
+          <a:chExt cx="0" cy="0"/>
+        </a:xfrm>
+      </p:grpSpPr>
+      <p:pic>
+        <p:nvPicPr>
           <p:cNvPr id="2050" name="Picture 2">
             <a:extLst>
               <a:ext uri="{FF2B5EF4-FFF2-40B4-BE49-F238E27FC236}">
@@ -8246,7 +9577,7 @@
             <a:fld id="{FA14CE62-B6AF-475A-BB26-7E2CBB4B5225}" type="slidenum">
               <a:rPr lang="en-IL" sz="1600" smtClean="0"/>
               <a:pPr/>
-              <a:t>10</a:t>
+              <a:t>11</a:t>
             </a:fld>
             <a:endParaRPr lang="en-IL" sz="1600" dirty="0"/>
           </a:p>
@@ -8356,316 +9687,6 @@
       </p:par>
     </p:tnLst>
   </p:timing>
-</p:sld>
-</file>
-
-<file path=ppt/slides/slide11.xml><?xml version="1.0" encoding="utf-8"?>
-<p:sld xmlns:a="http://schemas.openxmlformats.org/drawingml/2006/main" xmlns:r="http://schemas.openxmlformats.org/officeDocument/2006/relationships" xmlns:p="http://schemas.openxmlformats.org/presentationml/2006/main" show="0">
-  <p:cSld>
-    <p:spTree>
-      <p:nvGrpSpPr>
-        <p:cNvPr id="1" name=""/>
-        <p:cNvGrpSpPr/>
-        <p:nvPr/>
-      </p:nvGrpSpPr>
-      <p:grpSpPr>
-        <a:xfrm>
-          <a:off x="0" y="0"/>
-          <a:ext cx="0" cy="0"/>
-          <a:chOff x="0" y="0"/>
-          <a:chExt cx="0" cy="0"/>
-        </a:xfrm>
-      </p:grpSpPr>
-      <p:pic>
-        <p:nvPicPr>
-          <p:cNvPr id="3" name="Picture 2" descr="A close up of a clock&#10;&#10;Description automatically generated">
-            <a:extLst>
-              <a:ext uri="{FF2B5EF4-FFF2-40B4-BE49-F238E27FC236}">
-                <a16:creationId xmlns:a16="http://schemas.microsoft.com/office/drawing/2014/main" id="{0FBCFBFC-7E62-4A4A-9E8F-AB8B9FCCC566}"/>
-              </a:ext>
-            </a:extLst>
-          </p:cNvPr>
-          <p:cNvPicPr>
-            <a:picLocks noChangeAspect="1"/>
-          </p:cNvPicPr>
-          <p:nvPr/>
-        </p:nvPicPr>
-        <p:blipFill>
-          <a:blip r:embed="rId3">
-            <a:extLst>
-              <a:ext uri="{28A0092B-C50C-407E-A947-70E740481C1C}">
-                <a14:useLocalDpi xmlns:a14="http://schemas.microsoft.com/office/drawing/2010/main" val="0"/>
-              </a:ext>
-            </a:extLst>
-          </a:blip>
-          <a:stretch>
-            <a:fillRect/>
-          </a:stretch>
-        </p:blipFill>
-        <p:spPr>
-          <a:xfrm>
-            <a:off x="3545554" y="2126512"/>
-            <a:ext cx="5100891" cy="3965943"/>
-          </a:xfrm>
-          <a:prstGeom prst="rect">
-            <a:avLst/>
-          </a:prstGeom>
-        </p:spPr>
-      </p:pic>
-      <p:sp>
-        <p:nvSpPr>
-          <p:cNvPr id="2" name="Arrow: Left 1">
-            <a:hlinkClick r:id="rId4" action="ppaction://hlinksldjump"/>
-            <a:extLst>
-              <a:ext uri="{FF2B5EF4-FFF2-40B4-BE49-F238E27FC236}">
-                <a16:creationId xmlns:a16="http://schemas.microsoft.com/office/drawing/2014/main" id="{9F133FF5-F2A1-4D41-A681-8D61833150BF}"/>
-              </a:ext>
-            </a:extLst>
-          </p:cNvPr>
-          <p:cNvSpPr/>
-          <p:nvPr/>
-        </p:nvSpPr>
-        <p:spPr>
-          <a:xfrm>
-            <a:off x="297711" y="6092455"/>
-            <a:ext cx="552893" cy="478465"/>
-          </a:xfrm>
-          <a:prstGeom prst="leftArrow">
-            <a:avLst/>
-          </a:prstGeom>
-        </p:spPr>
-        <p:style>
-          <a:lnRef idx="2">
-            <a:schemeClr val="accent5"/>
-          </a:lnRef>
-          <a:fillRef idx="1">
-            <a:schemeClr val="lt1"/>
-          </a:fillRef>
-          <a:effectRef idx="0">
-            <a:schemeClr val="accent5"/>
-          </a:effectRef>
-          <a:fontRef idx="minor">
-            <a:schemeClr val="dk1"/>
-          </a:fontRef>
-        </p:style>
-        <p:txBody>
-          <a:bodyPr rtlCol="0" anchor="ctr"/>
-          <a:lstStyle/>
-          <a:p>
-            <a:pPr algn="ctr"/>
-            <a:endParaRPr lang="en-IL"/>
-          </a:p>
-        </p:txBody>
-      </p:sp>
-      <p:sp>
-        <p:nvSpPr>
-          <p:cNvPr id="4" name="Rectangle 3">
-            <a:extLst>
-              <a:ext uri="{FF2B5EF4-FFF2-40B4-BE49-F238E27FC236}">
-                <a16:creationId xmlns:a16="http://schemas.microsoft.com/office/drawing/2014/main" id="{859D4164-A720-4A99-ABDF-594ED9BF5187}"/>
-              </a:ext>
-            </a:extLst>
-          </p:cNvPr>
-          <p:cNvSpPr/>
-          <p:nvPr/>
-        </p:nvSpPr>
-        <p:spPr>
-          <a:xfrm>
-            <a:off x="2237267" y="510364"/>
-            <a:ext cx="7717463" cy="1261884"/>
-          </a:xfrm>
-          <a:prstGeom prst="rect">
-            <a:avLst/>
-          </a:prstGeom>
-        </p:spPr>
-        <p:txBody>
-          <a:bodyPr wrap="square">
-            <a:spAutoFit/>
-          </a:bodyPr>
-          <a:lstStyle/>
-          <a:p>
-            <a:pPr lvl="1" algn="ctr"/>
-            <a:r>
-              <a:rPr lang="en-US" b="1" dirty="0" err="1">
-                <a:latin typeface="Arial" panose="020B0604020202020204" pitchFamily="34" charset="0"/>
-                <a:cs typeface="Arial" panose="020B0604020202020204" pitchFamily="34" charset="0"/>
-              </a:rPr>
-              <a:t>AddRoundKey</a:t>
-            </a:r>
-            <a:endParaRPr lang="en-US" dirty="0">
-              <a:latin typeface="Arial" panose="020B0604020202020204" pitchFamily="34" charset="0"/>
-              <a:cs typeface="Arial" panose="020B0604020202020204" pitchFamily="34" charset="0"/>
-            </a:endParaRPr>
-          </a:p>
-          <a:p>
-            <a:pPr lvl="1">
-              <a:spcBef>
-                <a:spcPts val="600"/>
-              </a:spcBef>
-            </a:pPr>
-            <a:r>
-              <a:rPr lang="en-US" sz="1600" dirty="0">
-                <a:latin typeface="Arial" panose="020B0604020202020204" pitchFamily="34" charset="0"/>
-                <a:cs typeface="Arial" panose="020B0604020202020204" pitchFamily="34" charset="0"/>
-              </a:rPr>
-              <a:t>Each byte of the state is combined with a byte of the round key using bitwise xor. (twice in the first round - in the beginning and in the end of the round)</a:t>
-            </a:r>
-          </a:p>
-          <a:p>
-            <a:pPr lvl="1">
-              <a:spcBef>
-                <a:spcPts val="600"/>
-              </a:spcBef>
-            </a:pPr>
-            <a:endParaRPr lang="en-US" sz="1600" dirty="0">
-              <a:latin typeface="Arial" panose="020B0604020202020204" pitchFamily="34" charset="0"/>
-              <a:cs typeface="Arial" panose="020B0604020202020204" pitchFamily="34" charset="0"/>
-            </a:endParaRPr>
-          </a:p>
-        </p:txBody>
-      </p:sp>
-      <p:sp>
-        <p:nvSpPr>
-          <p:cNvPr id="6" name="Slide Number Placeholder 1">
-            <a:extLst>
-              <a:ext uri="{FF2B5EF4-FFF2-40B4-BE49-F238E27FC236}">
-                <a16:creationId xmlns:a16="http://schemas.microsoft.com/office/drawing/2014/main" id="{917F44C7-AE88-4DAF-86F4-D07D7EADBF39}"/>
-              </a:ext>
-            </a:extLst>
-          </p:cNvPr>
-          <p:cNvSpPr txBox="1">
-            <a:spLocks/>
-          </p:cNvSpPr>
-          <p:nvPr/>
-        </p:nvSpPr>
-        <p:spPr>
-          <a:xfrm>
-            <a:off x="11733088" y="6495535"/>
-            <a:ext cx="458912" cy="365125"/>
-          </a:xfrm>
-          <a:prstGeom prst="rect">
-            <a:avLst/>
-          </a:prstGeom>
-        </p:spPr>
-        <p:txBody>
-          <a:bodyPr vert="horz" lIns="91440" tIns="45720" rIns="91440" bIns="45720" rtlCol="0" anchor="ctr"/>
-          <a:lstStyle>
-            <a:defPPr>
-              <a:defRPr lang="en-IL"/>
-            </a:defPPr>
-            <a:lvl1pPr marL="0" algn="r" defTabSz="914400" rtl="0" eaLnBrk="1" latinLnBrk="0" hangingPunct="1">
-              <a:defRPr sz="1200" kern="1200">
-                <a:solidFill>
-                  <a:schemeClr val="tx1">
-                    <a:tint val="75000"/>
-                  </a:schemeClr>
-                </a:solidFill>
-                <a:latin typeface="+mn-lt"/>
-                <a:ea typeface="+mn-ea"/>
-                <a:cs typeface="+mn-cs"/>
-              </a:defRPr>
-            </a:lvl1pPr>
-            <a:lvl2pPr marL="457200" algn="l" defTabSz="914400" rtl="0" eaLnBrk="1" latinLnBrk="0" hangingPunct="1">
-              <a:defRPr sz="1800" kern="1200">
-                <a:solidFill>
-                  <a:schemeClr val="tx1"/>
-                </a:solidFill>
-                <a:latin typeface="+mn-lt"/>
-                <a:ea typeface="+mn-ea"/>
-                <a:cs typeface="+mn-cs"/>
-              </a:defRPr>
-            </a:lvl2pPr>
-            <a:lvl3pPr marL="914400" algn="l" defTabSz="914400" rtl="0" eaLnBrk="1" latinLnBrk="0" hangingPunct="1">
-              <a:defRPr sz="1800" kern="1200">
-                <a:solidFill>
-                  <a:schemeClr val="tx1"/>
-                </a:solidFill>
-                <a:latin typeface="+mn-lt"/>
-                <a:ea typeface="+mn-ea"/>
-                <a:cs typeface="+mn-cs"/>
-              </a:defRPr>
-            </a:lvl3pPr>
-            <a:lvl4pPr marL="1371600" algn="l" defTabSz="914400" rtl="0" eaLnBrk="1" latinLnBrk="0" hangingPunct="1">
-              <a:defRPr sz="1800" kern="1200">
-                <a:solidFill>
-                  <a:schemeClr val="tx1"/>
-                </a:solidFill>
-                <a:latin typeface="+mn-lt"/>
-                <a:ea typeface="+mn-ea"/>
-                <a:cs typeface="+mn-cs"/>
-              </a:defRPr>
-            </a:lvl4pPr>
-            <a:lvl5pPr marL="1828800" algn="l" defTabSz="914400" rtl="0" eaLnBrk="1" latinLnBrk="0" hangingPunct="1">
-              <a:defRPr sz="1800" kern="1200">
-                <a:solidFill>
-                  <a:schemeClr val="tx1"/>
-                </a:solidFill>
-                <a:latin typeface="+mn-lt"/>
-                <a:ea typeface="+mn-ea"/>
-                <a:cs typeface="+mn-cs"/>
-              </a:defRPr>
-            </a:lvl5pPr>
-            <a:lvl6pPr marL="2286000" algn="l" defTabSz="914400" rtl="0" eaLnBrk="1" latinLnBrk="0" hangingPunct="1">
-              <a:defRPr sz="1800" kern="1200">
-                <a:solidFill>
-                  <a:schemeClr val="tx1"/>
-                </a:solidFill>
-                <a:latin typeface="+mn-lt"/>
-                <a:ea typeface="+mn-ea"/>
-                <a:cs typeface="+mn-cs"/>
-              </a:defRPr>
-            </a:lvl6pPr>
-            <a:lvl7pPr marL="2743200" algn="l" defTabSz="914400" rtl="0" eaLnBrk="1" latinLnBrk="0" hangingPunct="1">
-              <a:defRPr sz="1800" kern="1200">
-                <a:solidFill>
-                  <a:schemeClr val="tx1"/>
-                </a:solidFill>
-                <a:latin typeface="+mn-lt"/>
-                <a:ea typeface="+mn-ea"/>
-                <a:cs typeface="+mn-cs"/>
-              </a:defRPr>
-            </a:lvl7pPr>
-            <a:lvl8pPr marL="3200400" algn="l" defTabSz="914400" rtl="0" eaLnBrk="1" latinLnBrk="0" hangingPunct="1">
-              <a:defRPr sz="1800" kern="1200">
-                <a:solidFill>
-                  <a:schemeClr val="tx1"/>
-                </a:solidFill>
-                <a:latin typeface="+mn-lt"/>
-                <a:ea typeface="+mn-ea"/>
-                <a:cs typeface="+mn-cs"/>
-              </a:defRPr>
-            </a:lvl8pPr>
-            <a:lvl9pPr marL="3657600" algn="l" defTabSz="914400" rtl="0" eaLnBrk="1" latinLnBrk="0" hangingPunct="1">
-              <a:defRPr sz="1800" kern="1200">
-                <a:solidFill>
-                  <a:schemeClr val="tx1"/>
-                </a:solidFill>
-                <a:latin typeface="+mn-lt"/>
-                <a:ea typeface="+mn-ea"/>
-                <a:cs typeface="+mn-cs"/>
-              </a:defRPr>
-            </a:lvl9pPr>
-          </a:lstStyle>
-          <a:p>
-            <a:fld id="{FA14CE62-B6AF-475A-BB26-7E2CBB4B5225}" type="slidenum">
-              <a:rPr lang="en-IL" sz="1600" smtClean="0"/>
-              <a:pPr/>
-              <a:t>11</a:t>
-            </a:fld>
-            <a:endParaRPr lang="en-IL" sz="1600" dirty="0"/>
-          </a:p>
-        </p:txBody>
-      </p:sp>
-    </p:spTree>
-    <p:extLst>
-      <p:ext uri="{BB962C8B-B14F-4D97-AF65-F5344CB8AC3E}">
-        <p14:creationId xmlns:p14="http://schemas.microsoft.com/office/powerpoint/2010/main" val="2107998383"/>
-      </p:ext>
-    </p:extLst>
-  </p:cSld>
-  <p:clrMapOvr>
-    <a:masterClrMapping/>
-  </p:clrMapOvr>
 </p:sld>
 </file>
 
@@ -10153,13 +11174,13 @@
           <a:p>
             <a:pPr algn="ctr"/>
             <a:r>
-              <a:rPr lang="en-US" sz="2800" b="1" u="sng" dirty="0">
+              <a:rPr lang="en-US" sz="2800" u="sng" dirty="0">
                 <a:latin typeface="Arial" panose="020B0604020202020204" pitchFamily="34" charset="0"/>
                 <a:cs typeface="Arial" panose="020B0604020202020204" pitchFamily="34" charset="0"/>
               </a:rPr>
               <a:t> Base architecture - selected solution</a:t>
             </a:r>
-            <a:endParaRPr lang="en-IL" sz="2800" b="1" u="sng" dirty="0">
+            <a:endParaRPr lang="en-IL" sz="2800" u="sng" dirty="0">
               <a:latin typeface="Arial" panose="020B0604020202020204" pitchFamily="34" charset="0"/>
               <a:cs typeface="Arial" panose="020B0604020202020204" pitchFamily="34" charset="0"/>
             </a:endParaRPr>
@@ -13239,45 +14260,6 @@
           <a:chExt cx="0" cy="0"/>
         </a:xfrm>
       </p:grpSpPr>
-      <p:pic>
-        <p:nvPicPr>
-          <p:cNvPr id="2" name="Picture 1">
-            <a:extLst>
-              <a:ext uri="{FF2B5EF4-FFF2-40B4-BE49-F238E27FC236}">
-                <a16:creationId xmlns:a16="http://schemas.microsoft.com/office/drawing/2014/main" id="{EBEC5397-DA6B-406B-BCE7-A999F50CD96D}"/>
-              </a:ext>
-            </a:extLst>
-          </p:cNvPr>
-          <p:cNvPicPr/>
-          <p:nvPr/>
-        </p:nvPicPr>
-        <p:blipFill>
-          <a:blip r:embed="rId3">
-            <a:extLst>
-              <a:ext uri="{28A0092B-C50C-407E-A947-70E740481C1C}">
-                <a14:useLocalDpi xmlns:a14="http://schemas.microsoft.com/office/drawing/2010/main" val="0"/>
-              </a:ext>
-            </a:extLst>
-          </a:blip>
-          <a:srcRect/>
-          <a:stretch>
-            <a:fillRect/>
-          </a:stretch>
-        </p:blipFill>
-        <p:spPr bwMode="auto">
-          <a:xfrm>
-            <a:off x="2639695" y="1717415"/>
-            <a:ext cx="6912610" cy="4563313"/>
-          </a:xfrm>
-          <a:prstGeom prst="rect">
-            <a:avLst/>
-          </a:prstGeom>
-          <a:noFill/>
-          <a:ln>
-            <a:noFill/>
-          </a:ln>
-        </p:spPr>
-      </p:pic>
       <p:sp>
         <p:nvSpPr>
           <p:cNvPr id="3" name="TextBox 2">
@@ -13449,6 +14431,42 @@
           </a:p>
         </p:txBody>
       </p:sp>
+      <p:pic>
+        <p:nvPicPr>
+          <p:cNvPr id="6" name="Picture 5">
+            <a:extLst>
+              <a:ext uri="{FF2B5EF4-FFF2-40B4-BE49-F238E27FC236}">
+                <a16:creationId xmlns:a16="http://schemas.microsoft.com/office/drawing/2014/main" id="{DEB03D35-D189-4E67-B97F-A681ECF40FC6}"/>
+              </a:ext>
+            </a:extLst>
+          </p:cNvPr>
+          <p:cNvPicPr>
+            <a:picLocks noChangeAspect="1"/>
+          </p:cNvPicPr>
+          <p:nvPr/>
+        </p:nvPicPr>
+        <p:blipFill>
+          <a:blip r:embed="rId3">
+            <a:extLst>
+              <a:ext uri="{28A0092B-C50C-407E-A947-70E740481C1C}">
+                <a14:useLocalDpi xmlns:a14="http://schemas.microsoft.com/office/drawing/2010/main" val="0"/>
+              </a:ext>
+            </a:extLst>
+          </a:blip>
+          <a:stretch>
+            <a:fillRect/>
+          </a:stretch>
+        </p:blipFill>
+        <p:spPr>
+          <a:xfrm>
+            <a:off x="2213693" y="1071047"/>
+            <a:ext cx="7764614" cy="5424488"/>
+          </a:xfrm>
+          <a:prstGeom prst="rect">
+            <a:avLst/>
+          </a:prstGeom>
+        </p:spPr>
+      </p:pic>
     </p:spTree>
     <p:extLst>
       <p:ext uri="{BB962C8B-B14F-4D97-AF65-F5344CB8AC3E}">
@@ -17506,7 +18524,7 @@
             <a:pPr algn="ctr"/>
             <a:r>
               <a:rPr lang="en-US" sz="2800" dirty="0"/>
-              <a:t>Dictionary’s</a:t>
+              <a:t>Dictionaries</a:t>
             </a:r>
             <a:endParaRPr lang="en-US" dirty="0"/>
           </a:p>
@@ -18628,7 +19646,7 @@
               <a:tailEnd type="none" w="med" len="med"/>
               <a:extLst>
                 <a:ext uri="{C807C97D-BFC1-408E-A445-0C87EB9F89A2}">
-                  <ask:lineSketchStyleProps xmlns:ask="http://schemas.microsoft.com/office/drawing/2018/sketchyshapes" xmlns="">
+                  <ask:lineSketchStyleProps xmlns="" xmlns:ask="http://schemas.microsoft.com/office/drawing/2018/sketchyshapes">
                     <a:custGeom>
                       <a:avLst/>
                       <a:gdLst/>
@@ -19621,7 +20639,7 @@
                   <a:tailEnd type="none" w="med" len="med"/>
                   <a:extLst>
                     <a:ext uri="{C807C97D-BFC1-408E-A445-0C87EB9F89A2}">
-                      <ask:lineSketchStyleProps xmlns:ask="http://schemas.microsoft.com/office/drawing/2018/sketchyshapes" xmlns="">
+                      <ask:lineSketchStyleProps xmlns="" xmlns:ask="http://schemas.microsoft.com/office/drawing/2018/sketchyshapes">
                         <a:custGeom>
                           <a:avLst/>
                           <a:gdLst/>
@@ -20712,6 +21730,36 @@
           <a:chExt cx="0" cy="0"/>
         </a:xfrm>
       </p:grpSpPr>
+      <p:pic>
+        <p:nvPicPr>
+          <p:cNvPr id="2" name="Picture 1">
+            <a:extLst>
+              <a:ext uri="{FF2B5EF4-FFF2-40B4-BE49-F238E27FC236}">
+                <a16:creationId xmlns:a16="http://schemas.microsoft.com/office/drawing/2014/main" id="{C153AEC3-5D4C-40B3-843A-F634B1688F97}"/>
+              </a:ext>
+            </a:extLst>
+          </p:cNvPr>
+          <p:cNvPicPr>
+            <a:picLocks noChangeAspect="1"/>
+          </p:cNvPicPr>
+          <p:nvPr/>
+        </p:nvPicPr>
+        <p:blipFill>
+          <a:blip r:embed="rId3"/>
+          <a:stretch>
+            <a:fillRect/>
+          </a:stretch>
+        </p:blipFill>
+        <p:spPr>
+          <a:xfrm>
+            <a:off x="973370" y="1975072"/>
+            <a:ext cx="10245260" cy="4132542"/>
+          </a:xfrm>
+          <a:prstGeom prst="rect">
+            <a:avLst/>
+          </a:prstGeom>
+        </p:spPr>
+      </p:pic>
       <p:sp>
         <p:nvSpPr>
           <p:cNvPr id="4" name="TextBox 3">
@@ -20742,203 +21790,125 @@
           <a:p>
             <a:pPr algn="ctr"/>
             <a:r>
-              <a:rPr lang="en-US" sz="2800" b="1" u="sng" dirty="0"/>
+              <a:rPr lang="en-US" sz="2800" u="sng" dirty="0"/>
               <a:t>AES verification test</a:t>
             </a:r>
-            <a:endParaRPr lang="en-US" b="1" u="sng" dirty="0"/>
+            <a:endParaRPr lang="en-US" u="sng" dirty="0"/>
           </a:p>
         </p:txBody>
       </p:sp>
-      <p:grpSp>
-        <p:nvGrpSpPr>
-          <p:cNvPr id="5" name="Group 4">
-            <a:extLst>
-              <a:ext uri="{FF2B5EF4-FFF2-40B4-BE49-F238E27FC236}">
-                <a16:creationId xmlns:a16="http://schemas.microsoft.com/office/drawing/2014/main" id="{97195D93-0875-480F-832E-D27D55788BD7}"/>
-              </a:ext>
-            </a:extLst>
-          </p:cNvPr>
-          <p:cNvGrpSpPr/>
+      <p:sp>
+        <p:nvSpPr>
+          <p:cNvPr id="9" name="Rectangle 8">
+            <a:extLst>
+              <a:ext uri="{FF2B5EF4-FFF2-40B4-BE49-F238E27FC236}">
+                <a16:creationId xmlns:a16="http://schemas.microsoft.com/office/drawing/2014/main" id="{BFB18331-8BEE-489B-9CDF-4A0A543EDC15}"/>
+              </a:ext>
+            </a:extLst>
+          </p:cNvPr>
+          <p:cNvSpPr/>
           <p:nvPr/>
-        </p:nvGrpSpPr>
-        <p:grpSpPr>
+        </p:nvSpPr>
+        <p:spPr>
           <a:xfrm>
-            <a:off x="2023872" y="2360390"/>
-            <a:ext cx="8144256" cy="2898649"/>
-            <a:chOff x="0" y="0"/>
-            <a:chExt cx="5486400" cy="1851025"/>
+            <a:off x="995153" y="5417389"/>
+            <a:ext cx="4629270" cy="455798"/>
           </a:xfrm>
-        </p:grpSpPr>
-        <p:grpSp>
-          <p:nvGrpSpPr>
-            <p:cNvPr id="6" name="Group 5">
-              <a:extLst>
-                <a:ext uri="{FF2B5EF4-FFF2-40B4-BE49-F238E27FC236}">
-                  <a16:creationId xmlns:a16="http://schemas.microsoft.com/office/drawing/2014/main" id="{44FDCA4C-5336-4AB8-BD93-A9ADB21CBB95}"/>
-                </a:ext>
-              </a:extLst>
-            </p:cNvPr>
-            <p:cNvGrpSpPr/>
-            <p:nvPr/>
-          </p:nvGrpSpPr>
-          <p:grpSpPr>
-            <a:xfrm>
-              <a:off x="0" y="0"/>
-              <a:ext cx="5486400" cy="1851025"/>
-              <a:chOff x="0" y="0"/>
-              <a:chExt cx="5486400" cy="1851025"/>
-            </a:xfrm>
-          </p:grpSpPr>
-          <p:pic>
-            <p:nvPicPr>
-              <p:cNvPr id="8" name="Picture 7">
-                <a:extLst>
-                  <a:ext uri="{FF2B5EF4-FFF2-40B4-BE49-F238E27FC236}">
-                    <a16:creationId xmlns:a16="http://schemas.microsoft.com/office/drawing/2014/main" id="{243E7F6A-6522-4D21-BA35-6FC4ADE1A904}"/>
-                  </a:ext>
-                </a:extLst>
-              </p:cNvPr>
-              <p:cNvPicPr>
-                <a:picLocks noChangeAspect="1"/>
-              </p:cNvPicPr>
-              <p:nvPr/>
-            </p:nvPicPr>
-            <p:blipFill>
-              <a:blip r:embed="rId3">
-                <a:extLst>
-                  <a:ext uri="{28A0092B-C50C-407E-A947-70E740481C1C}">
-                    <a14:useLocalDpi xmlns:a14="http://schemas.microsoft.com/office/drawing/2010/main" val="0"/>
-                  </a:ext>
-                </a:extLst>
-              </a:blip>
-              <a:stretch>
-                <a:fillRect/>
-              </a:stretch>
-            </p:blipFill>
-            <p:spPr>
-              <a:xfrm>
-                <a:off x="0" y="0"/>
-                <a:ext cx="5486400" cy="1851025"/>
-              </a:xfrm>
-              <a:prstGeom prst="rect">
-                <a:avLst/>
-              </a:prstGeom>
-            </p:spPr>
-          </p:pic>
-          <p:sp>
-            <p:nvSpPr>
-              <p:cNvPr id="9" name="Rectangle 8">
-                <a:extLst>
-                  <a:ext uri="{FF2B5EF4-FFF2-40B4-BE49-F238E27FC236}">
-                    <a16:creationId xmlns:a16="http://schemas.microsoft.com/office/drawing/2014/main" id="{BFB18331-8BEE-489B-9CDF-4A0A543EDC15}"/>
-                  </a:ext>
-                </a:extLst>
-              </p:cNvPr>
-              <p:cNvSpPr/>
-              <p:nvPr/>
-            </p:nvSpPr>
-            <p:spPr>
-              <a:xfrm>
-                <a:off x="0" y="1423284"/>
-                <a:ext cx="2433099" cy="278295"/>
-              </a:xfrm>
-              <a:prstGeom prst="rect">
-                <a:avLst/>
-              </a:prstGeom>
-              <a:noFill/>
-              <a:ln>
-                <a:solidFill>
-                  <a:srgbClr val="FF0000"/>
-                </a:solidFill>
-              </a:ln>
-            </p:spPr>
-            <p:style>
-              <a:lnRef idx="2">
-                <a:schemeClr val="accent1">
-                  <a:shade val="50000"/>
-                </a:schemeClr>
-              </a:lnRef>
-              <a:fillRef idx="1">
-                <a:schemeClr val="accent1"/>
-              </a:fillRef>
-              <a:effectRef idx="0">
-                <a:schemeClr val="accent1"/>
-              </a:effectRef>
-              <a:fontRef idx="minor">
-                <a:schemeClr val="lt1"/>
-              </a:fontRef>
-            </p:style>
-            <p:txBody>
-              <a:bodyPr rot="0" spcFirstLastPara="0" vert="horz" wrap="square" lIns="91440" tIns="45720" rIns="91440" bIns="45720" numCol="1" spcCol="0" rtlCol="0" fromWordArt="0" anchor="ctr" anchorCtr="0" forceAA="0" compatLnSpc="1">
-                <a:prstTxWarp prst="textNoShape">
-                  <a:avLst/>
-                </a:prstTxWarp>
-                <a:noAutofit/>
-              </a:bodyPr>
-              <a:lstStyle/>
-              <a:p>
-                <a:endParaRPr lang="en-US"/>
-              </a:p>
-            </p:txBody>
-          </p:sp>
-        </p:grpSp>
-        <p:sp>
-          <p:nvSpPr>
-            <p:cNvPr id="7" name="Rectangle 6">
-              <a:extLst>
-                <a:ext uri="{FF2B5EF4-FFF2-40B4-BE49-F238E27FC236}">
-                  <a16:creationId xmlns:a16="http://schemas.microsoft.com/office/drawing/2014/main" id="{A9EA6D93-27BD-4E5E-A9ED-229FCC754C60}"/>
-                </a:ext>
-              </a:extLst>
-            </p:cNvPr>
-            <p:cNvSpPr/>
-            <p:nvPr/>
-          </p:nvSpPr>
-          <p:spPr>
-            <a:xfrm>
-              <a:off x="0" y="1073426"/>
-              <a:ext cx="5319422" cy="151075"/>
-            </a:xfrm>
-            <a:prstGeom prst="rect">
+          <a:prstGeom prst="rect">
+            <a:avLst/>
+          </a:prstGeom>
+          <a:noFill/>
+          <a:ln>
+            <a:solidFill>
+              <a:srgbClr val="FF0000"/>
+            </a:solidFill>
+          </a:ln>
+        </p:spPr>
+        <p:style>
+          <a:lnRef idx="2">
+            <a:schemeClr val="accent1">
+              <a:shade val="50000"/>
+            </a:schemeClr>
+          </a:lnRef>
+          <a:fillRef idx="1">
+            <a:schemeClr val="accent1"/>
+          </a:fillRef>
+          <a:effectRef idx="0">
+            <a:schemeClr val="accent1"/>
+          </a:effectRef>
+          <a:fontRef idx="minor">
+            <a:schemeClr val="lt1"/>
+          </a:fontRef>
+        </p:style>
+        <p:txBody>
+          <a:bodyPr rot="0" spcFirstLastPara="0" vert="horz" wrap="square" lIns="91440" tIns="45720" rIns="91440" bIns="45720" numCol="1" spcCol="0" rtlCol="0" fromWordArt="0" anchor="ctr" anchorCtr="0" forceAA="0" compatLnSpc="1">
+            <a:prstTxWarp prst="textNoShape">
               <a:avLst/>
-            </a:prstGeom>
-            <a:noFill/>
-            <a:ln>
-              <a:solidFill>
-                <a:srgbClr val="0070C0"/>
-              </a:solidFill>
-            </a:ln>
-          </p:spPr>
-          <p:style>
-            <a:lnRef idx="2">
-              <a:schemeClr val="accent1">
-                <a:shade val="50000"/>
-              </a:schemeClr>
-            </a:lnRef>
-            <a:fillRef idx="1">
-              <a:schemeClr val="accent1"/>
-            </a:fillRef>
-            <a:effectRef idx="0">
-              <a:schemeClr val="accent1"/>
-            </a:effectRef>
-            <a:fontRef idx="minor">
-              <a:schemeClr val="lt1"/>
-            </a:fontRef>
-          </p:style>
-          <p:txBody>
-            <a:bodyPr rot="0" spcFirstLastPara="0" vert="horz" wrap="square" lIns="91440" tIns="45720" rIns="91440" bIns="45720" numCol="1" spcCol="0" rtlCol="0" fromWordArt="0" anchor="ctr" anchorCtr="0" forceAA="0" compatLnSpc="1">
-              <a:prstTxWarp prst="textNoShape">
-                <a:avLst/>
-              </a:prstTxWarp>
-              <a:noAutofit/>
-            </a:bodyPr>
-            <a:lstStyle/>
-            <a:p>
-              <a:endParaRPr lang="en-US"/>
-            </a:p>
-          </p:txBody>
-        </p:sp>
-      </p:grpSp>
+            </a:prstTxWarp>
+            <a:noAutofit/>
+          </a:bodyPr>
+          <a:lstStyle/>
+          <a:p>
+            <a:endParaRPr lang="en-US"/>
+          </a:p>
+        </p:txBody>
+      </p:sp>
+      <p:sp>
+        <p:nvSpPr>
+          <p:cNvPr id="7" name="Rectangle 6">
+            <a:extLst>
+              <a:ext uri="{FF2B5EF4-FFF2-40B4-BE49-F238E27FC236}">
+                <a16:creationId xmlns:a16="http://schemas.microsoft.com/office/drawing/2014/main" id="{A9EA6D93-27BD-4E5E-A9ED-229FCC754C60}"/>
+              </a:ext>
+            </a:extLst>
+          </p:cNvPr>
+          <p:cNvSpPr/>
+          <p:nvPr/>
+        </p:nvSpPr>
+        <p:spPr>
+          <a:xfrm>
+            <a:off x="990622" y="4731456"/>
+            <a:ext cx="10102947" cy="271864"/>
+          </a:xfrm>
+          <a:prstGeom prst="rect">
+            <a:avLst/>
+          </a:prstGeom>
+          <a:noFill/>
+          <a:ln>
+            <a:solidFill>
+              <a:srgbClr val="0070C0"/>
+            </a:solidFill>
+          </a:ln>
+        </p:spPr>
+        <p:style>
+          <a:lnRef idx="2">
+            <a:schemeClr val="accent1">
+              <a:shade val="50000"/>
+            </a:schemeClr>
+          </a:lnRef>
+          <a:fillRef idx="1">
+            <a:schemeClr val="accent1"/>
+          </a:fillRef>
+          <a:effectRef idx="0">
+            <a:schemeClr val="accent1"/>
+          </a:effectRef>
+          <a:fontRef idx="minor">
+            <a:schemeClr val="lt1"/>
+          </a:fontRef>
+        </p:style>
+        <p:txBody>
+          <a:bodyPr rot="0" spcFirstLastPara="0" vert="horz" wrap="square" lIns="91440" tIns="45720" rIns="91440" bIns="45720" numCol="1" spcCol="0" rtlCol="0" fromWordArt="0" anchor="ctr" anchorCtr="0" forceAA="0" compatLnSpc="1">
+            <a:prstTxWarp prst="textNoShape">
+              <a:avLst/>
+            </a:prstTxWarp>
+            <a:noAutofit/>
+          </a:bodyPr>
+          <a:lstStyle/>
+          <a:p>
+            <a:endParaRPr lang="en-US"/>
+          </a:p>
+        </p:txBody>
+      </p:sp>
       <p:sp>
         <p:nvSpPr>
           <p:cNvPr id="10" name="Slide Number Placeholder 1">
@@ -21071,6 +22041,110 @@
           </a:p>
         </p:txBody>
       </p:sp>
+      <p:sp>
+        <p:nvSpPr>
+          <p:cNvPr id="3" name="Rectangle 2">
+            <a:extLst>
+              <a:ext uri="{FF2B5EF4-FFF2-40B4-BE49-F238E27FC236}">
+                <a16:creationId xmlns:a16="http://schemas.microsoft.com/office/drawing/2014/main" id="{66C4BAFA-F3A0-41CC-BEA4-FD89B5153771}"/>
+              </a:ext>
+            </a:extLst>
+          </p:cNvPr>
+          <p:cNvSpPr/>
+          <p:nvPr/>
+        </p:nvSpPr>
+        <p:spPr>
+          <a:xfrm>
+            <a:off x="2794958" y="3019245"/>
+            <a:ext cx="1949570" cy="271864"/>
+          </a:xfrm>
+          <a:prstGeom prst="rect">
+            <a:avLst/>
+          </a:prstGeom>
+          <a:noFill/>
+          <a:ln>
+            <a:solidFill>
+              <a:srgbClr val="FFC000"/>
+            </a:solidFill>
+          </a:ln>
+        </p:spPr>
+        <p:style>
+          <a:lnRef idx="2">
+            <a:schemeClr val="accent1">
+              <a:shade val="50000"/>
+            </a:schemeClr>
+          </a:lnRef>
+          <a:fillRef idx="1">
+            <a:schemeClr val="accent1"/>
+          </a:fillRef>
+          <a:effectRef idx="0">
+            <a:schemeClr val="accent1"/>
+          </a:effectRef>
+          <a:fontRef idx="minor">
+            <a:schemeClr val="lt1"/>
+          </a:fontRef>
+        </p:style>
+        <p:txBody>
+          <a:bodyPr rtlCol="0" anchor="ctr"/>
+          <a:lstStyle/>
+          <a:p>
+            <a:pPr algn="ctr"/>
+            <a:endParaRPr lang="en-US"/>
+          </a:p>
+        </p:txBody>
+      </p:sp>
+      <p:sp>
+        <p:nvSpPr>
+          <p:cNvPr id="11" name="Rectangle 10">
+            <a:extLst>
+              <a:ext uri="{FF2B5EF4-FFF2-40B4-BE49-F238E27FC236}">
+                <a16:creationId xmlns:a16="http://schemas.microsoft.com/office/drawing/2014/main" id="{6DC68AB7-9228-4FD8-9EE7-D37C5A4EF01A}"/>
+              </a:ext>
+            </a:extLst>
+          </p:cNvPr>
+          <p:cNvSpPr/>
+          <p:nvPr/>
+        </p:nvSpPr>
+        <p:spPr>
+          <a:xfrm>
+            <a:off x="2654060" y="4981623"/>
+            <a:ext cx="1407400" cy="271864"/>
+          </a:xfrm>
+          <a:prstGeom prst="rect">
+            <a:avLst/>
+          </a:prstGeom>
+          <a:noFill/>
+          <a:ln>
+            <a:solidFill>
+              <a:srgbClr val="00B050"/>
+            </a:solidFill>
+          </a:ln>
+        </p:spPr>
+        <p:style>
+          <a:lnRef idx="2">
+            <a:schemeClr val="accent1">
+              <a:shade val="50000"/>
+            </a:schemeClr>
+          </a:lnRef>
+          <a:fillRef idx="1">
+            <a:schemeClr val="accent1"/>
+          </a:fillRef>
+          <a:effectRef idx="0">
+            <a:schemeClr val="accent1"/>
+          </a:effectRef>
+          <a:fontRef idx="minor">
+            <a:schemeClr val="lt1"/>
+          </a:fontRef>
+        </p:style>
+        <p:txBody>
+          <a:bodyPr rtlCol="0" anchor="ctr"/>
+          <a:lstStyle/>
+          <a:p>
+            <a:pPr algn="ctr"/>
+            <a:endParaRPr lang="en-US"/>
+          </a:p>
+        </p:txBody>
+      </p:sp>
     </p:spTree>
     <p:extLst>
       <p:ext uri="{BB962C8B-B14F-4D97-AF65-F5344CB8AC3E}">
@@ -21138,8 +22212,8 @@
           </a:p>
         </p:txBody>
       </p:sp>
-      <mc:AlternateContent xmlns:mc="http://schemas.openxmlformats.org/markup-compatibility/2006">
-        <mc:Choice xmlns:a14="http://schemas.microsoft.com/office/drawing/2010/main" Requires="a14">
+      <mc:AlternateContent xmlns:mc="http://schemas.openxmlformats.org/markup-compatibility/2006" xmlns:a14="http://schemas.microsoft.com/office/drawing/2010/main">
+        <mc:Choice Requires="a14">
           <p:graphicFrame>
             <p:nvGraphicFramePr>
               <p:cNvPr id="12" name="Table 12">
@@ -21781,7 +22855,7 @@
             </a:graphic>
           </p:graphicFrame>
         </mc:Choice>
-        <mc:Fallback>
+        <mc:Fallback xmlns="">
           <p:graphicFrame>
             <p:nvGraphicFramePr>
               <p:cNvPr id="12" name="Table 12">
@@ -23454,6 +24528,226 @@
 </p:sld>
 </file>
 
+<file path=ppt/slides/slide33.xml><?xml version="1.0" encoding="utf-8"?>
+<p:sld xmlns:a="http://schemas.openxmlformats.org/drawingml/2006/main" xmlns:r="http://schemas.openxmlformats.org/officeDocument/2006/relationships" xmlns:p="http://schemas.openxmlformats.org/presentationml/2006/main">
+  <p:cSld>
+    <p:bg>
+      <p:bgPr>
+        <a:blipFill dpi="0" rotWithShape="1">
+          <a:blip r:embed="rId2">
+            <a:lum/>
+          </a:blip>
+          <a:srcRect/>
+          <a:stretch>
+            <a:fillRect/>
+          </a:stretch>
+        </a:blipFill>
+        <a:effectLst/>
+      </p:bgPr>
+    </p:bg>
+    <p:spTree>
+      <p:nvGrpSpPr>
+        <p:cNvPr id="1" name=""/>
+        <p:cNvGrpSpPr/>
+        <p:nvPr/>
+      </p:nvGrpSpPr>
+      <p:grpSpPr>
+        <a:xfrm>
+          <a:off x="0" y="0"/>
+          <a:ext cx="0" cy="0"/>
+          <a:chOff x="0" y="0"/>
+          <a:chExt cx="0" cy="0"/>
+        </a:xfrm>
+      </p:grpSpPr>
+      <p:sp>
+        <p:nvSpPr>
+          <p:cNvPr id="2" name="Slide Number Placeholder 1">
+            <a:extLst>
+              <a:ext uri="{FF2B5EF4-FFF2-40B4-BE49-F238E27FC236}">
+                <a16:creationId xmlns:a16="http://schemas.microsoft.com/office/drawing/2014/main" id="{4BF8D749-2C94-42DD-A37A-5C42D38874BF}"/>
+              </a:ext>
+            </a:extLst>
+          </p:cNvPr>
+          <p:cNvSpPr>
+            <a:spLocks noGrp="1"/>
+          </p:cNvSpPr>
+          <p:nvPr>
+            <p:ph type="sldNum" sz="quarter" idx="12"/>
+          </p:nvPr>
+        </p:nvSpPr>
+        <p:spPr/>
+        <p:txBody>
+          <a:bodyPr/>
+          <a:lstStyle/>
+          <a:p>
+            <a:fld id="{FA14CE62-B6AF-475A-BB26-7E2CBB4B5225}" type="slidenum">
+              <a:rPr lang="en-IL" smtClean="0"/>
+              <a:t>33</a:t>
+            </a:fld>
+            <a:endParaRPr lang="en-IL"/>
+          </a:p>
+        </p:txBody>
+      </p:sp>
+      <p:sp>
+        <p:nvSpPr>
+          <p:cNvPr id="3" name="TextBox 2">
+            <a:extLst>
+              <a:ext uri="{FF2B5EF4-FFF2-40B4-BE49-F238E27FC236}">
+                <a16:creationId xmlns:a16="http://schemas.microsoft.com/office/drawing/2014/main" id="{B81FDF9F-D9BA-423C-878F-1F70502DBF94}"/>
+              </a:ext>
+            </a:extLst>
+          </p:cNvPr>
+          <p:cNvSpPr txBox="1"/>
+          <p:nvPr/>
+        </p:nvSpPr>
+        <p:spPr>
+          <a:xfrm>
+            <a:off x="4061460" y="2726168"/>
+            <a:ext cx="4069080" cy="523220"/>
+          </a:xfrm>
+          <a:prstGeom prst="rect">
+            <a:avLst/>
+          </a:prstGeom>
+          <a:noFill/>
+        </p:spPr>
+        <p:txBody>
+          <a:bodyPr wrap="square" rtlCol="0">
+            <a:spAutoFit/>
+          </a:bodyPr>
+          <a:lstStyle/>
+          <a:p>
+            <a:pPr algn="ctr"/>
+            <a:r>
+              <a:rPr lang="en-US" sz="2800" b="1" dirty="0"/>
+              <a:t>Questions?</a:t>
+            </a:r>
+            <a:endParaRPr lang="en-US" b="1" dirty="0"/>
+          </a:p>
+        </p:txBody>
+      </p:sp>
+    </p:spTree>
+    <p:extLst>
+      <p:ext uri="{BB962C8B-B14F-4D97-AF65-F5344CB8AC3E}">
+        <p14:creationId xmlns:p14="http://schemas.microsoft.com/office/powerpoint/2010/main" val="2272742717"/>
+      </p:ext>
+    </p:extLst>
+  </p:cSld>
+  <p:clrMapOvr>
+    <a:masterClrMapping/>
+  </p:clrMapOvr>
+</p:sld>
+</file>
+
+<file path=ppt/slides/slide34.xml><?xml version="1.0" encoding="utf-8"?>
+<p:sld xmlns:a="http://schemas.openxmlformats.org/drawingml/2006/main" xmlns:r="http://schemas.openxmlformats.org/officeDocument/2006/relationships" xmlns:p="http://schemas.openxmlformats.org/presentationml/2006/main">
+  <p:cSld>
+    <p:bg>
+      <p:bgPr>
+        <a:blipFill dpi="0" rotWithShape="1">
+          <a:blip r:embed="rId2">
+            <a:lum/>
+          </a:blip>
+          <a:srcRect/>
+          <a:stretch>
+            <a:fillRect/>
+          </a:stretch>
+        </a:blipFill>
+        <a:effectLst/>
+      </p:bgPr>
+    </p:bg>
+    <p:spTree>
+      <p:nvGrpSpPr>
+        <p:cNvPr id="1" name=""/>
+        <p:cNvGrpSpPr/>
+        <p:nvPr/>
+      </p:nvGrpSpPr>
+      <p:grpSpPr>
+        <a:xfrm>
+          <a:off x="0" y="0"/>
+          <a:ext cx="0" cy="0"/>
+          <a:chOff x="0" y="0"/>
+          <a:chExt cx="0" cy="0"/>
+        </a:xfrm>
+      </p:grpSpPr>
+      <p:sp>
+        <p:nvSpPr>
+          <p:cNvPr id="2" name="Slide Number Placeholder 1">
+            <a:extLst>
+              <a:ext uri="{FF2B5EF4-FFF2-40B4-BE49-F238E27FC236}">
+                <a16:creationId xmlns:a16="http://schemas.microsoft.com/office/drawing/2014/main" id="{C9197479-FA3F-49F5-80F6-35CBB7276BAE}"/>
+              </a:ext>
+            </a:extLst>
+          </p:cNvPr>
+          <p:cNvSpPr>
+            <a:spLocks noGrp="1"/>
+          </p:cNvSpPr>
+          <p:nvPr>
+            <p:ph type="sldNum" sz="quarter" idx="12"/>
+          </p:nvPr>
+        </p:nvSpPr>
+        <p:spPr/>
+        <p:txBody>
+          <a:bodyPr/>
+          <a:lstStyle/>
+          <a:p>
+            <a:fld id="{FA14CE62-B6AF-475A-BB26-7E2CBB4B5225}" type="slidenum">
+              <a:rPr lang="en-IL" smtClean="0"/>
+              <a:t>34</a:t>
+            </a:fld>
+            <a:endParaRPr lang="en-IL"/>
+          </a:p>
+        </p:txBody>
+      </p:sp>
+      <p:sp>
+        <p:nvSpPr>
+          <p:cNvPr id="3" name="TextBox 2">
+            <a:extLst>
+              <a:ext uri="{FF2B5EF4-FFF2-40B4-BE49-F238E27FC236}">
+                <a16:creationId xmlns:a16="http://schemas.microsoft.com/office/drawing/2014/main" id="{333254D7-4DB4-4CD7-B516-6F02C6374C49}"/>
+              </a:ext>
+            </a:extLst>
+          </p:cNvPr>
+          <p:cNvSpPr txBox="1"/>
+          <p:nvPr/>
+        </p:nvSpPr>
+        <p:spPr>
+          <a:xfrm>
+            <a:off x="3816398" y="2905780"/>
+            <a:ext cx="4559203" cy="523220"/>
+          </a:xfrm>
+          <a:prstGeom prst="rect">
+            <a:avLst/>
+          </a:prstGeom>
+          <a:noFill/>
+        </p:spPr>
+        <p:txBody>
+          <a:bodyPr wrap="square" rtlCol="0">
+            <a:spAutoFit/>
+          </a:bodyPr>
+          <a:lstStyle/>
+          <a:p>
+            <a:pPr algn="ctr"/>
+            <a:r>
+              <a:rPr lang="en-US" sz="2800" b="1" dirty="0"/>
+              <a:t>Thank you for your time!</a:t>
+            </a:r>
+            <a:endParaRPr lang="en-US" b="1" dirty="0"/>
+          </a:p>
+        </p:txBody>
+      </p:sp>
+    </p:spTree>
+    <p:extLst>
+      <p:ext uri="{BB962C8B-B14F-4D97-AF65-F5344CB8AC3E}">
+        <p14:creationId xmlns:p14="http://schemas.microsoft.com/office/powerpoint/2010/main" val="4087786290"/>
+      </p:ext>
+    </p:extLst>
+  </p:cSld>
+  <p:clrMapOvr>
+    <a:masterClrMapping/>
+  </p:clrMapOvr>
+</p:sld>
+</file>
+
 <file path=ppt/slides/slide4.xml><?xml version="1.0" encoding="utf-8"?>
 <p:sld xmlns:a="http://schemas.openxmlformats.org/drawingml/2006/main" xmlns:r="http://schemas.openxmlformats.org/officeDocument/2006/relationships" xmlns:p="http://schemas.openxmlformats.org/presentationml/2006/main">
   <p:cSld>
@@ -23485,7 +24779,7 @@
         </p:nvSpPr>
         <p:spPr>
           <a:xfrm>
-            <a:off x="2935940" y="381896"/>
+            <a:off x="2935939" y="571677"/>
             <a:ext cx="6320117" cy="523220"/>
           </a:xfrm>
           <a:prstGeom prst="rect">
@@ -24419,7 +25713,7 @@
         </p:nvSpPr>
         <p:spPr>
           <a:xfrm>
-            <a:off x="3746126" y="228181"/>
+            <a:off x="3746124" y="228232"/>
             <a:ext cx="4699747" cy="523220"/>
           </a:xfrm>
           <a:prstGeom prst="rect">
@@ -25954,8 +27248,8 @@
         </p:nvSpPr>
         <p:spPr>
           <a:xfrm>
-            <a:off x="789158" y="849900"/>
-            <a:ext cx="10613681" cy="584775"/>
+            <a:off x="752309" y="781211"/>
+            <a:ext cx="10613681" cy="707886"/>
           </a:xfrm>
           <a:prstGeom prst="rect">
             <a:avLst/>
@@ -25968,7 +27262,7 @@
           <a:lstStyle/>
           <a:p>
             <a:r>
-              <a:rPr lang="en-US" sz="1600" dirty="0"/>
+              <a:rPr lang="en-US" sz="2000" dirty="0"/>
               <a:t>AES encryption is done in several rounds (10 rounds for 128 bit key), and each one of the rounds is consist of several processing steps.</a:t>
             </a:r>
           </a:p>
@@ -29237,14 +30531,316 @@
 <file path=ppt/slides/slide8.xml><?xml version="1.0" encoding="utf-8"?>
 <p:sld xmlns:a="http://schemas.openxmlformats.org/drawingml/2006/main" xmlns:r="http://schemas.openxmlformats.org/officeDocument/2006/relationships" xmlns:p="http://schemas.openxmlformats.org/presentationml/2006/main" show="0">
   <p:cSld>
-    <p:bg>
-      <p:bgPr>
-        <a:solidFill>
-          <a:schemeClr val="bg1"/>
-        </a:solidFill>
-        <a:effectLst/>
-      </p:bgPr>
-    </p:bg>
+    <p:spTree>
+      <p:nvGrpSpPr>
+        <p:cNvPr id="1" name=""/>
+        <p:cNvGrpSpPr/>
+        <p:nvPr/>
+      </p:nvGrpSpPr>
+      <p:grpSpPr>
+        <a:xfrm>
+          <a:off x="0" y="0"/>
+          <a:ext cx="0" cy="0"/>
+          <a:chOff x="0" y="0"/>
+          <a:chExt cx="0" cy="0"/>
+        </a:xfrm>
+      </p:grpSpPr>
+      <p:pic>
+        <p:nvPicPr>
+          <p:cNvPr id="3" name="Picture 2" descr="A close up of a clock&#10;&#10;Description automatically generated">
+            <a:extLst>
+              <a:ext uri="{FF2B5EF4-FFF2-40B4-BE49-F238E27FC236}">
+                <a16:creationId xmlns:a16="http://schemas.microsoft.com/office/drawing/2014/main" id="{0FBCFBFC-7E62-4A4A-9E8F-AB8B9FCCC566}"/>
+              </a:ext>
+            </a:extLst>
+          </p:cNvPr>
+          <p:cNvPicPr>
+            <a:picLocks noChangeAspect="1"/>
+          </p:cNvPicPr>
+          <p:nvPr/>
+        </p:nvPicPr>
+        <p:blipFill>
+          <a:blip r:embed="rId3">
+            <a:extLst>
+              <a:ext uri="{28A0092B-C50C-407E-A947-70E740481C1C}">
+                <a14:useLocalDpi xmlns:a14="http://schemas.microsoft.com/office/drawing/2010/main" val="0"/>
+              </a:ext>
+            </a:extLst>
+          </a:blip>
+          <a:stretch>
+            <a:fillRect/>
+          </a:stretch>
+        </p:blipFill>
+        <p:spPr>
+          <a:xfrm>
+            <a:off x="3545554" y="2126512"/>
+            <a:ext cx="5100891" cy="3965943"/>
+          </a:xfrm>
+          <a:prstGeom prst="rect">
+            <a:avLst/>
+          </a:prstGeom>
+        </p:spPr>
+      </p:pic>
+      <p:sp>
+        <p:nvSpPr>
+          <p:cNvPr id="2" name="Arrow: Left 1">
+            <a:hlinkClick r:id="rId4" action="ppaction://hlinksldjump"/>
+            <a:extLst>
+              <a:ext uri="{FF2B5EF4-FFF2-40B4-BE49-F238E27FC236}">
+                <a16:creationId xmlns:a16="http://schemas.microsoft.com/office/drawing/2014/main" id="{9F133FF5-F2A1-4D41-A681-8D61833150BF}"/>
+              </a:ext>
+            </a:extLst>
+          </p:cNvPr>
+          <p:cNvSpPr/>
+          <p:nvPr/>
+        </p:nvSpPr>
+        <p:spPr>
+          <a:xfrm>
+            <a:off x="297711" y="6092455"/>
+            <a:ext cx="552893" cy="478465"/>
+          </a:xfrm>
+          <a:prstGeom prst="leftArrow">
+            <a:avLst/>
+          </a:prstGeom>
+        </p:spPr>
+        <p:style>
+          <a:lnRef idx="2">
+            <a:schemeClr val="accent5"/>
+          </a:lnRef>
+          <a:fillRef idx="1">
+            <a:schemeClr val="lt1"/>
+          </a:fillRef>
+          <a:effectRef idx="0">
+            <a:schemeClr val="accent5"/>
+          </a:effectRef>
+          <a:fontRef idx="minor">
+            <a:schemeClr val="dk1"/>
+          </a:fontRef>
+        </p:style>
+        <p:txBody>
+          <a:bodyPr rtlCol="0" anchor="ctr"/>
+          <a:lstStyle/>
+          <a:p>
+            <a:pPr algn="ctr"/>
+            <a:endParaRPr lang="en-IL"/>
+          </a:p>
+        </p:txBody>
+      </p:sp>
+      <p:sp>
+        <p:nvSpPr>
+          <p:cNvPr id="4" name="Rectangle 3">
+            <a:extLst>
+              <a:ext uri="{FF2B5EF4-FFF2-40B4-BE49-F238E27FC236}">
+                <a16:creationId xmlns:a16="http://schemas.microsoft.com/office/drawing/2014/main" id="{859D4164-A720-4A99-ABDF-594ED9BF5187}"/>
+              </a:ext>
+            </a:extLst>
+          </p:cNvPr>
+          <p:cNvSpPr/>
+          <p:nvPr/>
+        </p:nvSpPr>
+        <p:spPr>
+          <a:xfrm>
+            <a:off x="2237267" y="510364"/>
+            <a:ext cx="7717463" cy="1261884"/>
+          </a:xfrm>
+          <a:prstGeom prst="rect">
+            <a:avLst/>
+          </a:prstGeom>
+        </p:spPr>
+        <p:txBody>
+          <a:bodyPr wrap="square">
+            <a:spAutoFit/>
+          </a:bodyPr>
+          <a:lstStyle/>
+          <a:p>
+            <a:pPr lvl="1" algn="ctr"/>
+            <a:r>
+              <a:rPr lang="en-US" b="1" dirty="0" err="1">
+                <a:latin typeface="Arial" panose="020B0604020202020204" pitchFamily="34" charset="0"/>
+                <a:cs typeface="Arial" panose="020B0604020202020204" pitchFamily="34" charset="0"/>
+              </a:rPr>
+              <a:t>AddRoundKey</a:t>
+            </a:r>
+            <a:endParaRPr lang="en-US" dirty="0">
+              <a:latin typeface="Arial" panose="020B0604020202020204" pitchFamily="34" charset="0"/>
+              <a:cs typeface="Arial" panose="020B0604020202020204" pitchFamily="34" charset="0"/>
+            </a:endParaRPr>
+          </a:p>
+          <a:p>
+            <a:pPr lvl="1">
+              <a:spcBef>
+                <a:spcPts val="600"/>
+              </a:spcBef>
+            </a:pPr>
+            <a:r>
+              <a:rPr lang="en-US" sz="1600" dirty="0">
+                <a:latin typeface="Arial" panose="020B0604020202020204" pitchFamily="34" charset="0"/>
+                <a:cs typeface="Arial" panose="020B0604020202020204" pitchFamily="34" charset="0"/>
+              </a:rPr>
+              <a:t>Each byte of the state is combined with a byte of the round key using bitwise xor. (twice in the first round - in the beginning and in the end of the round)</a:t>
+            </a:r>
+          </a:p>
+          <a:p>
+            <a:pPr lvl="1">
+              <a:spcBef>
+                <a:spcPts val="600"/>
+              </a:spcBef>
+            </a:pPr>
+            <a:endParaRPr lang="en-US" sz="1600" dirty="0">
+              <a:latin typeface="Arial" panose="020B0604020202020204" pitchFamily="34" charset="0"/>
+              <a:cs typeface="Arial" panose="020B0604020202020204" pitchFamily="34" charset="0"/>
+            </a:endParaRPr>
+          </a:p>
+        </p:txBody>
+      </p:sp>
+      <p:sp>
+        <p:nvSpPr>
+          <p:cNvPr id="6" name="Slide Number Placeholder 1">
+            <a:extLst>
+              <a:ext uri="{FF2B5EF4-FFF2-40B4-BE49-F238E27FC236}">
+                <a16:creationId xmlns:a16="http://schemas.microsoft.com/office/drawing/2014/main" id="{917F44C7-AE88-4DAF-86F4-D07D7EADBF39}"/>
+              </a:ext>
+            </a:extLst>
+          </p:cNvPr>
+          <p:cNvSpPr txBox="1">
+            <a:spLocks/>
+          </p:cNvSpPr>
+          <p:nvPr/>
+        </p:nvSpPr>
+        <p:spPr>
+          <a:xfrm>
+            <a:off x="11733088" y="6495535"/>
+            <a:ext cx="458912" cy="365125"/>
+          </a:xfrm>
+          <a:prstGeom prst="rect">
+            <a:avLst/>
+          </a:prstGeom>
+        </p:spPr>
+        <p:txBody>
+          <a:bodyPr vert="horz" lIns="91440" tIns="45720" rIns="91440" bIns="45720" rtlCol="0" anchor="ctr"/>
+          <a:lstStyle>
+            <a:defPPr>
+              <a:defRPr lang="en-IL"/>
+            </a:defPPr>
+            <a:lvl1pPr marL="0" algn="r" defTabSz="914400" rtl="0" eaLnBrk="1" latinLnBrk="0" hangingPunct="1">
+              <a:defRPr sz="1200" kern="1200">
+                <a:solidFill>
+                  <a:schemeClr val="tx1">
+                    <a:tint val="75000"/>
+                  </a:schemeClr>
+                </a:solidFill>
+                <a:latin typeface="+mn-lt"/>
+                <a:ea typeface="+mn-ea"/>
+                <a:cs typeface="+mn-cs"/>
+              </a:defRPr>
+            </a:lvl1pPr>
+            <a:lvl2pPr marL="457200" algn="l" defTabSz="914400" rtl="0" eaLnBrk="1" latinLnBrk="0" hangingPunct="1">
+              <a:defRPr sz="1800" kern="1200">
+                <a:solidFill>
+                  <a:schemeClr val="tx1"/>
+                </a:solidFill>
+                <a:latin typeface="+mn-lt"/>
+                <a:ea typeface="+mn-ea"/>
+                <a:cs typeface="+mn-cs"/>
+              </a:defRPr>
+            </a:lvl2pPr>
+            <a:lvl3pPr marL="914400" algn="l" defTabSz="914400" rtl="0" eaLnBrk="1" latinLnBrk="0" hangingPunct="1">
+              <a:defRPr sz="1800" kern="1200">
+                <a:solidFill>
+                  <a:schemeClr val="tx1"/>
+                </a:solidFill>
+                <a:latin typeface="+mn-lt"/>
+                <a:ea typeface="+mn-ea"/>
+                <a:cs typeface="+mn-cs"/>
+              </a:defRPr>
+            </a:lvl3pPr>
+            <a:lvl4pPr marL="1371600" algn="l" defTabSz="914400" rtl="0" eaLnBrk="1" latinLnBrk="0" hangingPunct="1">
+              <a:defRPr sz="1800" kern="1200">
+                <a:solidFill>
+                  <a:schemeClr val="tx1"/>
+                </a:solidFill>
+                <a:latin typeface="+mn-lt"/>
+                <a:ea typeface="+mn-ea"/>
+                <a:cs typeface="+mn-cs"/>
+              </a:defRPr>
+            </a:lvl4pPr>
+            <a:lvl5pPr marL="1828800" algn="l" defTabSz="914400" rtl="0" eaLnBrk="1" latinLnBrk="0" hangingPunct="1">
+              <a:defRPr sz="1800" kern="1200">
+                <a:solidFill>
+                  <a:schemeClr val="tx1"/>
+                </a:solidFill>
+                <a:latin typeface="+mn-lt"/>
+                <a:ea typeface="+mn-ea"/>
+                <a:cs typeface="+mn-cs"/>
+              </a:defRPr>
+            </a:lvl5pPr>
+            <a:lvl6pPr marL="2286000" algn="l" defTabSz="914400" rtl="0" eaLnBrk="1" latinLnBrk="0" hangingPunct="1">
+              <a:defRPr sz="1800" kern="1200">
+                <a:solidFill>
+                  <a:schemeClr val="tx1"/>
+                </a:solidFill>
+                <a:latin typeface="+mn-lt"/>
+                <a:ea typeface="+mn-ea"/>
+                <a:cs typeface="+mn-cs"/>
+              </a:defRPr>
+            </a:lvl6pPr>
+            <a:lvl7pPr marL="2743200" algn="l" defTabSz="914400" rtl="0" eaLnBrk="1" latinLnBrk="0" hangingPunct="1">
+              <a:defRPr sz="1800" kern="1200">
+                <a:solidFill>
+                  <a:schemeClr val="tx1"/>
+                </a:solidFill>
+                <a:latin typeface="+mn-lt"/>
+                <a:ea typeface="+mn-ea"/>
+                <a:cs typeface="+mn-cs"/>
+              </a:defRPr>
+            </a:lvl7pPr>
+            <a:lvl8pPr marL="3200400" algn="l" defTabSz="914400" rtl="0" eaLnBrk="1" latinLnBrk="0" hangingPunct="1">
+              <a:defRPr sz="1800" kern="1200">
+                <a:solidFill>
+                  <a:schemeClr val="tx1"/>
+                </a:solidFill>
+                <a:latin typeface="+mn-lt"/>
+                <a:ea typeface="+mn-ea"/>
+                <a:cs typeface="+mn-cs"/>
+              </a:defRPr>
+            </a:lvl8pPr>
+            <a:lvl9pPr marL="3657600" algn="l" defTabSz="914400" rtl="0" eaLnBrk="1" latinLnBrk="0" hangingPunct="1">
+              <a:defRPr sz="1800" kern="1200">
+                <a:solidFill>
+                  <a:schemeClr val="tx1"/>
+                </a:solidFill>
+                <a:latin typeface="+mn-lt"/>
+                <a:ea typeface="+mn-ea"/>
+                <a:cs typeface="+mn-cs"/>
+              </a:defRPr>
+            </a:lvl9pPr>
+          </a:lstStyle>
+          <a:p>
+            <a:fld id="{FA14CE62-B6AF-475A-BB26-7E2CBB4B5225}" type="slidenum">
+              <a:rPr lang="en-IL" sz="1600" smtClean="0"/>
+              <a:pPr/>
+              <a:t>8</a:t>
+            </a:fld>
+            <a:endParaRPr lang="en-IL" sz="1600" dirty="0"/>
+          </a:p>
+        </p:txBody>
+      </p:sp>
+    </p:spTree>
+    <p:extLst>
+      <p:ext uri="{BB962C8B-B14F-4D97-AF65-F5344CB8AC3E}">
+        <p14:creationId xmlns:p14="http://schemas.microsoft.com/office/powerpoint/2010/main" val="2107998383"/>
+      </p:ext>
+    </p:extLst>
+  </p:cSld>
+  <p:clrMapOvr>
+    <a:masterClrMapping/>
+  </p:clrMapOvr>
+</p:sld>
+</file>
+
+<file path=ppt/slides/slide9.xml><?xml version="1.0" encoding="utf-8"?>
+<p:sld xmlns:a="http://schemas.openxmlformats.org/drawingml/2006/main" xmlns:r="http://schemas.openxmlformats.org/officeDocument/2006/relationships" xmlns:p="http://schemas.openxmlformats.org/presentationml/2006/main" show="0">
+  <p:cSld>
     <p:spTree>
       <p:nvGrpSpPr>
         <p:cNvPr id="1" name=""/>
@@ -29621,7 +31217,7 @@
             <a:fld id="{FA14CE62-B6AF-475A-BB26-7E2CBB4B5225}" type="slidenum">
               <a:rPr lang="en-IL" sz="1600" smtClean="0"/>
               <a:pPr/>
-              <a:t>8</a:t>
+              <a:t>9</a:t>
             </a:fld>
             <a:endParaRPr lang="en-IL" sz="1600" dirty="0"/>
           </a:p>
@@ -29731,316 +31327,6 @@
       </p:par>
     </p:tnLst>
   </p:timing>
-</p:sld>
-</file>
-
-<file path=ppt/slides/slide9.xml><?xml version="1.0" encoding="utf-8"?>
-<p:sld xmlns:a="http://schemas.openxmlformats.org/drawingml/2006/main" xmlns:r="http://schemas.openxmlformats.org/officeDocument/2006/relationships" xmlns:p="http://schemas.openxmlformats.org/presentationml/2006/main" show="0">
-  <p:cSld>
-    <p:spTree>
-      <p:nvGrpSpPr>
-        <p:cNvPr id="1" name=""/>
-        <p:cNvGrpSpPr/>
-        <p:nvPr/>
-      </p:nvGrpSpPr>
-      <p:grpSpPr>
-        <a:xfrm>
-          <a:off x="0" y="0"/>
-          <a:ext cx="0" cy="0"/>
-          <a:chOff x="0" y="0"/>
-          <a:chExt cx="0" cy="0"/>
-        </a:xfrm>
-      </p:grpSpPr>
-      <p:pic>
-        <p:nvPicPr>
-          <p:cNvPr id="1026" name="Picture 2">
-            <a:extLst>
-              <a:ext uri="{FF2B5EF4-FFF2-40B4-BE49-F238E27FC236}">
-                <a16:creationId xmlns:a16="http://schemas.microsoft.com/office/drawing/2014/main" id="{CFA65FB7-8119-4013-9F5D-2DF0F70DC882}"/>
-              </a:ext>
-            </a:extLst>
-          </p:cNvPr>
-          <p:cNvPicPr>
-            <a:picLocks noChangeAspect="1" noChangeArrowheads="1"/>
-          </p:cNvPicPr>
-          <p:nvPr/>
-        </p:nvPicPr>
-        <p:blipFill>
-          <a:blip r:embed="rId3">
-            <a:extLst>
-              <a:ext uri="{28A0092B-C50C-407E-A947-70E740481C1C}">
-                <a14:useLocalDpi xmlns:a14="http://schemas.microsoft.com/office/drawing/2010/main" val="0"/>
-              </a:ext>
-            </a:extLst>
-          </a:blip>
-          <a:srcRect/>
-          <a:stretch>
-            <a:fillRect/>
-          </a:stretch>
-        </p:blipFill>
-        <p:spPr bwMode="auto">
-          <a:xfrm>
-            <a:off x="3284175" y="2361410"/>
-            <a:ext cx="5615985" cy="2124818"/>
-          </a:xfrm>
-          <a:prstGeom prst="rect">
-            <a:avLst/>
-          </a:prstGeom>
-          <a:noFill/>
-          <a:extLst>
-            <a:ext uri="{909E8E84-426E-40DD-AFC4-6F175D3DCCD1}">
-              <a14:hiddenFill xmlns:a14="http://schemas.microsoft.com/office/drawing/2010/main">
-                <a:solidFill>
-                  <a:srgbClr val="FFFFFF"/>
-                </a:solidFill>
-              </a14:hiddenFill>
-            </a:ext>
-          </a:extLst>
-        </p:spPr>
-      </p:pic>
-      <p:sp>
-        <p:nvSpPr>
-          <p:cNvPr id="3" name="Arrow: Left 2">
-            <a:hlinkClick r:id="rId4" action="ppaction://hlinksldjump"/>
-            <a:extLst>
-              <a:ext uri="{FF2B5EF4-FFF2-40B4-BE49-F238E27FC236}">
-                <a16:creationId xmlns:a16="http://schemas.microsoft.com/office/drawing/2014/main" id="{A486846B-E2C6-4E50-86F9-645DFE9C22D9}"/>
-              </a:ext>
-            </a:extLst>
-          </p:cNvPr>
-          <p:cNvSpPr/>
-          <p:nvPr/>
-        </p:nvSpPr>
-        <p:spPr>
-          <a:xfrm>
-            <a:off x="297711" y="6092455"/>
-            <a:ext cx="552893" cy="478465"/>
-          </a:xfrm>
-          <a:prstGeom prst="leftArrow">
-            <a:avLst/>
-          </a:prstGeom>
-        </p:spPr>
-        <p:style>
-          <a:lnRef idx="2">
-            <a:schemeClr val="accent5"/>
-          </a:lnRef>
-          <a:fillRef idx="1">
-            <a:schemeClr val="lt1"/>
-          </a:fillRef>
-          <a:effectRef idx="0">
-            <a:schemeClr val="accent5"/>
-          </a:effectRef>
-          <a:fontRef idx="minor">
-            <a:schemeClr val="dk1"/>
-          </a:fontRef>
-        </p:style>
-        <p:txBody>
-          <a:bodyPr rtlCol="0" anchor="ctr"/>
-          <a:lstStyle/>
-          <a:p>
-            <a:pPr algn="ctr"/>
-            <a:endParaRPr lang="en-IL"/>
-          </a:p>
-        </p:txBody>
-      </p:sp>
-      <p:sp>
-        <p:nvSpPr>
-          <p:cNvPr id="2" name="Rectangle 1">
-            <a:extLst>
-              <a:ext uri="{FF2B5EF4-FFF2-40B4-BE49-F238E27FC236}">
-                <a16:creationId xmlns:a16="http://schemas.microsoft.com/office/drawing/2014/main" id="{40C41DA8-2EBC-4B9D-9939-4BF32A6599F8}"/>
-              </a:ext>
-            </a:extLst>
-          </p:cNvPr>
-          <p:cNvSpPr/>
-          <p:nvPr/>
-        </p:nvSpPr>
-        <p:spPr>
-          <a:xfrm>
-            <a:off x="3048000" y="660070"/>
-            <a:ext cx="6096000" cy="938719"/>
-          </a:xfrm>
-          <a:prstGeom prst="rect">
-            <a:avLst/>
-          </a:prstGeom>
-        </p:spPr>
-        <p:txBody>
-          <a:bodyPr>
-            <a:spAutoFit/>
-          </a:bodyPr>
-          <a:lstStyle/>
-          <a:p>
-            <a:pPr algn="ctr"/>
-            <a:r>
-              <a:rPr lang="en-US" b="1" dirty="0" err="1">
-                <a:latin typeface="Arial" panose="020B0604020202020204" pitchFamily="34" charset="0"/>
-                <a:cs typeface="Arial" panose="020B0604020202020204" pitchFamily="34" charset="0"/>
-              </a:rPr>
-              <a:t>ShiftRows</a:t>
-            </a:r>
-            <a:endParaRPr lang="en-US" b="1" dirty="0">
-              <a:latin typeface="Arial" panose="020B0604020202020204" pitchFamily="34" charset="0"/>
-              <a:cs typeface="Arial" panose="020B0604020202020204" pitchFamily="34" charset="0"/>
-            </a:endParaRPr>
-          </a:p>
-          <a:p>
-            <a:pPr>
-              <a:spcBef>
-                <a:spcPts val="600"/>
-              </a:spcBef>
-            </a:pPr>
-            <a:r>
-              <a:rPr lang="en-US" sz="1600" dirty="0">
-                <a:latin typeface="Arial" panose="020B0604020202020204" pitchFamily="34" charset="0"/>
-                <a:cs typeface="Arial" panose="020B0604020202020204" pitchFamily="34" charset="0"/>
-              </a:rPr>
-              <a:t>A transposition step where the last three rows of the state are shifted cyclically a certain number of steps.</a:t>
-            </a:r>
-          </a:p>
-        </p:txBody>
-      </p:sp>
-      <p:sp>
-        <p:nvSpPr>
-          <p:cNvPr id="6" name="Slide Number Placeholder 1">
-            <a:extLst>
-              <a:ext uri="{FF2B5EF4-FFF2-40B4-BE49-F238E27FC236}">
-                <a16:creationId xmlns:a16="http://schemas.microsoft.com/office/drawing/2014/main" id="{1F535B39-C163-426C-86E1-95F2F3B25095}"/>
-              </a:ext>
-            </a:extLst>
-          </p:cNvPr>
-          <p:cNvSpPr txBox="1">
-            <a:spLocks/>
-          </p:cNvSpPr>
-          <p:nvPr/>
-        </p:nvSpPr>
-        <p:spPr>
-          <a:xfrm>
-            <a:off x="11741690" y="6495535"/>
-            <a:ext cx="285503" cy="365125"/>
-          </a:xfrm>
-          <a:prstGeom prst="rect">
-            <a:avLst/>
-          </a:prstGeom>
-        </p:spPr>
-        <p:txBody>
-          <a:bodyPr vert="horz" lIns="91440" tIns="45720" rIns="91440" bIns="45720" rtlCol="0" anchor="ctr"/>
-          <a:lstStyle>
-            <a:defPPr>
-              <a:defRPr lang="en-IL"/>
-            </a:defPPr>
-            <a:lvl1pPr marL="0" algn="r" defTabSz="914400" rtl="0" eaLnBrk="1" latinLnBrk="0" hangingPunct="1">
-              <a:defRPr sz="1200" kern="1200">
-                <a:solidFill>
-                  <a:schemeClr val="tx1">
-                    <a:tint val="75000"/>
-                  </a:schemeClr>
-                </a:solidFill>
-                <a:latin typeface="+mn-lt"/>
-                <a:ea typeface="+mn-ea"/>
-                <a:cs typeface="+mn-cs"/>
-              </a:defRPr>
-            </a:lvl1pPr>
-            <a:lvl2pPr marL="457200" algn="l" defTabSz="914400" rtl="0" eaLnBrk="1" latinLnBrk="0" hangingPunct="1">
-              <a:defRPr sz="1800" kern="1200">
-                <a:solidFill>
-                  <a:schemeClr val="tx1"/>
-                </a:solidFill>
-                <a:latin typeface="+mn-lt"/>
-                <a:ea typeface="+mn-ea"/>
-                <a:cs typeface="+mn-cs"/>
-              </a:defRPr>
-            </a:lvl2pPr>
-            <a:lvl3pPr marL="914400" algn="l" defTabSz="914400" rtl="0" eaLnBrk="1" latinLnBrk="0" hangingPunct="1">
-              <a:defRPr sz="1800" kern="1200">
-                <a:solidFill>
-                  <a:schemeClr val="tx1"/>
-                </a:solidFill>
-                <a:latin typeface="+mn-lt"/>
-                <a:ea typeface="+mn-ea"/>
-                <a:cs typeface="+mn-cs"/>
-              </a:defRPr>
-            </a:lvl3pPr>
-            <a:lvl4pPr marL="1371600" algn="l" defTabSz="914400" rtl="0" eaLnBrk="1" latinLnBrk="0" hangingPunct="1">
-              <a:defRPr sz="1800" kern="1200">
-                <a:solidFill>
-                  <a:schemeClr val="tx1"/>
-                </a:solidFill>
-                <a:latin typeface="+mn-lt"/>
-                <a:ea typeface="+mn-ea"/>
-                <a:cs typeface="+mn-cs"/>
-              </a:defRPr>
-            </a:lvl4pPr>
-            <a:lvl5pPr marL="1828800" algn="l" defTabSz="914400" rtl="0" eaLnBrk="1" latinLnBrk="0" hangingPunct="1">
-              <a:defRPr sz="1800" kern="1200">
-                <a:solidFill>
-                  <a:schemeClr val="tx1"/>
-                </a:solidFill>
-                <a:latin typeface="+mn-lt"/>
-                <a:ea typeface="+mn-ea"/>
-                <a:cs typeface="+mn-cs"/>
-              </a:defRPr>
-            </a:lvl5pPr>
-            <a:lvl6pPr marL="2286000" algn="l" defTabSz="914400" rtl="0" eaLnBrk="1" latinLnBrk="0" hangingPunct="1">
-              <a:defRPr sz="1800" kern="1200">
-                <a:solidFill>
-                  <a:schemeClr val="tx1"/>
-                </a:solidFill>
-                <a:latin typeface="+mn-lt"/>
-                <a:ea typeface="+mn-ea"/>
-                <a:cs typeface="+mn-cs"/>
-              </a:defRPr>
-            </a:lvl6pPr>
-            <a:lvl7pPr marL="2743200" algn="l" defTabSz="914400" rtl="0" eaLnBrk="1" latinLnBrk="0" hangingPunct="1">
-              <a:defRPr sz="1800" kern="1200">
-                <a:solidFill>
-                  <a:schemeClr val="tx1"/>
-                </a:solidFill>
-                <a:latin typeface="+mn-lt"/>
-                <a:ea typeface="+mn-ea"/>
-                <a:cs typeface="+mn-cs"/>
-              </a:defRPr>
-            </a:lvl7pPr>
-            <a:lvl8pPr marL="3200400" algn="l" defTabSz="914400" rtl="0" eaLnBrk="1" latinLnBrk="0" hangingPunct="1">
-              <a:defRPr sz="1800" kern="1200">
-                <a:solidFill>
-                  <a:schemeClr val="tx1"/>
-                </a:solidFill>
-                <a:latin typeface="+mn-lt"/>
-                <a:ea typeface="+mn-ea"/>
-                <a:cs typeface="+mn-cs"/>
-              </a:defRPr>
-            </a:lvl8pPr>
-            <a:lvl9pPr marL="3657600" algn="l" defTabSz="914400" rtl="0" eaLnBrk="1" latinLnBrk="0" hangingPunct="1">
-              <a:defRPr sz="1800" kern="1200">
-                <a:solidFill>
-                  <a:schemeClr val="tx1"/>
-                </a:solidFill>
-                <a:latin typeface="+mn-lt"/>
-                <a:ea typeface="+mn-ea"/>
-                <a:cs typeface="+mn-cs"/>
-              </a:defRPr>
-            </a:lvl9pPr>
-          </a:lstStyle>
-          <a:p>
-            <a:fld id="{FA14CE62-B6AF-475A-BB26-7E2CBB4B5225}" type="slidenum">
-              <a:rPr lang="en-IL" sz="1600" smtClean="0"/>
-              <a:pPr/>
-              <a:t>9</a:t>
-            </a:fld>
-            <a:endParaRPr lang="en-IL" sz="1600" dirty="0"/>
-          </a:p>
-        </p:txBody>
-      </p:sp>
-    </p:spTree>
-    <p:extLst>
-      <p:ext uri="{BB962C8B-B14F-4D97-AF65-F5344CB8AC3E}">
-        <p14:creationId xmlns:p14="http://schemas.microsoft.com/office/powerpoint/2010/main" val="851036238"/>
-      </p:ext>
-    </p:extLst>
-  </p:cSld>
-  <p:clrMapOvr>
-    <a:masterClrMapping/>
-  </p:clrMapOvr>
 </p:sld>
 </file>
 
